--- a/Portak.pptx
+++ b/Portak.pptx
@@ -6,13 +6,14 @@
   </p:sldMasterIdLst>
   <p:sldIdLst>
     <p:sldId id="256" r:id="rId2"/>
-    <p:sldId id="257" r:id="rId3"/>
-    <p:sldId id="258" r:id="rId4"/>
-    <p:sldId id="259" r:id="rId5"/>
-    <p:sldId id="260" r:id="rId6"/>
+    <p:sldId id="258" r:id="rId3"/>
+    <p:sldId id="259" r:id="rId4"/>
+    <p:sldId id="260" r:id="rId5"/>
+    <p:sldId id="264" r:id="rId6"/>
     <p:sldId id="261" r:id="rId7"/>
     <p:sldId id="262" r:id="rId8"/>
     <p:sldId id="263" r:id="rId9"/>
+    <p:sldId id="257" r:id="rId10"/>
   </p:sldIdLst>
   <p:sldSz cx="12192000" cy="6858000"/>
   <p:notesSz cx="6858000" cy="9144000"/>
@@ -3073,8 +3074,8 @@
         </p:nvSpPr>
         <p:spPr>
           <a:xfrm>
-            <a:off x="0" y="1026367"/>
-            <a:ext cx="12286268" cy="3170099"/>
+            <a:off x="0" y="690465"/>
+            <a:ext cx="12286268" cy="2400657"/>
           </a:xfrm>
           <a:prstGeom prst="rect">
             <a:avLst/>
@@ -3089,7 +3090,7 @@
           <a:p>
             <a:pPr algn="ctr"/>
             <a:r>
-              <a:rPr lang="fr-FR" sz="20000" dirty="0" err="1" smtClean="0">
+              <a:rPr lang="fr-FR" sz="15000" dirty="0" smtClean="0">
                 <a:solidFill>
                   <a:schemeClr val="bg1"/>
                 </a:solidFill>
@@ -3104,9 +3105,9 @@
                 <a:ea typeface="ArcadeClassic" charset="0"/>
                 <a:cs typeface="ArcadeClassic" charset="0"/>
               </a:rPr>
-              <a:t>Portak</a:t>
-            </a:r>
-            <a:endParaRPr lang="fr-FR" sz="20000" dirty="0">
+              <a:t>P o r ta k</a:t>
+            </a:r>
+            <a:endParaRPr lang="fr-FR" sz="15000" dirty="0">
               <a:solidFill>
                 <a:schemeClr val="bg1"/>
               </a:solidFill>
@@ -3121,6 +3122,181 @@
               <a:ea typeface="ArcadeClassic" charset="0"/>
               <a:cs typeface="ArcadeClassic" charset="0"/>
             </a:endParaRPr>
+          </a:p>
+        </p:txBody>
+      </p:sp>
+      <p:sp>
+        <p:nvSpPr>
+          <p:cNvPr id="6" name="ZoneTexte 5"/>
+          <p:cNvSpPr txBox="1"/>
+          <p:nvPr/>
+        </p:nvSpPr>
+        <p:spPr>
+          <a:xfrm>
+            <a:off x="0" y="2844772"/>
+            <a:ext cx="12286268" cy="584775"/>
+          </a:xfrm>
+          <a:prstGeom prst="rect">
+            <a:avLst/>
+          </a:prstGeom>
+          <a:noFill/>
+        </p:spPr>
+        <p:txBody>
+          <a:bodyPr wrap="square" rtlCol="0">
+            <a:spAutoFit/>
+          </a:bodyPr>
+          <a:lstStyle/>
+          <a:p>
+            <a:pPr algn="ctr"/>
+            <a:r>
+              <a:rPr lang="fr-FR" sz="3200" dirty="0" smtClean="0">
+                <a:solidFill>
+                  <a:srgbClr val="E8EAEC"/>
+                </a:solidFill>
+                <a:effectLst>
+                  <a:outerShdw blurRad="50800" dist="76200" dir="2700000" algn="tl" rotWithShape="0">
+                    <a:prstClr val="black">
+                      <a:alpha val="40000"/>
+                    </a:prstClr>
+                  </a:outerShdw>
+                </a:effectLst>
+                <a:latin typeface="ArcadeClassic" charset="0"/>
+                <a:ea typeface="ArcadeClassic" charset="0"/>
+                <a:cs typeface="ArcadeClassic" charset="0"/>
+              </a:rPr>
+              <a:t>  </a:t>
+            </a:r>
+            <a:r>
+              <a:rPr lang="fr-FR" sz="3200" dirty="0" smtClean="0">
+                <a:solidFill>
+                  <a:srgbClr val="E8EAEC"/>
+                </a:solidFill>
+                <a:effectLst>
+                  <a:outerShdw blurRad="50800" dist="76200" dir="2700000" algn="tl" rotWithShape="0">
+                    <a:prstClr val="black">
+                      <a:alpha val="40000"/>
+                    </a:prstClr>
+                  </a:outerShdw>
+                </a:effectLst>
+                <a:latin typeface="ArcadeClassic" charset="0"/>
+                <a:ea typeface="ArcadeClassic" charset="0"/>
+                <a:cs typeface="ArcadeClassic" charset="0"/>
+              </a:rPr>
+              <a:t>F O R N A </a:t>
+            </a:r>
+            <a:r>
+              <a:rPr lang="fr-FR" sz="3200" spc="-300" dirty="0" smtClean="0">
+                <a:solidFill>
+                  <a:srgbClr val="E8EAEC"/>
+                </a:solidFill>
+                <a:effectLst>
+                  <a:outerShdw blurRad="50800" dist="76200" dir="2700000" algn="tl" rotWithShape="0">
+                    <a:prstClr val="black">
+                      <a:alpha val="40000"/>
+                    </a:prstClr>
+                  </a:outerShdw>
+                </a:effectLst>
+                <a:latin typeface="ArcadeClassic" charset="0"/>
+                <a:ea typeface="ArcadeClassic" charset="0"/>
+                <a:cs typeface="ArcadeClassic" charset="0"/>
+              </a:rPr>
+              <a:t>LI</a:t>
+            </a:r>
+            <a:r>
+              <a:rPr lang="fr-FR" sz="3200" dirty="0" smtClean="0">
+                <a:solidFill>
+                  <a:srgbClr val="E8EAEC"/>
+                </a:solidFill>
+                <a:effectLst>
+                  <a:outerShdw blurRad="50800" dist="76200" dir="2700000" algn="tl" rotWithShape="0">
+                    <a:prstClr val="black">
+                      <a:alpha val="40000"/>
+                    </a:prstClr>
+                  </a:outerShdw>
+                </a:effectLst>
+                <a:latin typeface="ArcadeClassic" charset="0"/>
+                <a:ea typeface="ArcadeClassic" charset="0"/>
+                <a:cs typeface="ArcadeClassic" charset="0"/>
+              </a:rPr>
+              <a:t>   D a m i e </a:t>
+            </a:r>
+            <a:r>
+              <a:rPr lang="fr-FR" sz="3200" dirty="0" smtClean="0">
+                <a:solidFill>
+                  <a:srgbClr val="E8EAEC"/>
+                </a:solidFill>
+                <a:effectLst>
+                  <a:outerShdw blurRad="50800" dist="76200" dir="2700000" algn="tl" rotWithShape="0">
+                    <a:prstClr val="black">
+                      <a:alpha val="40000"/>
+                    </a:prstClr>
+                  </a:outerShdw>
+                </a:effectLst>
+                <a:latin typeface="ArcadeClassic" charset="0"/>
+                <a:ea typeface="ArcadeClassic" charset="0"/>
+                <a:cs typeface="ArcadeClassic" charset="0"/>
+              </a:rPr>
+              <a:t>n  -  </a:t>
+            </a:r>
+            <a:r>
+              <a:rPr lang="fr-FR" sz="3200" dirty="0">
+                <a:solidFill>
+                  <a:srgbClr val="E8EAEC"/>
+                </a:solidFill>
+                <a:effectLst>
+                  <a:outerShdw blurRad="50800" dist="76200" dir="2700000" algn="tl" rotWithShape="0">
+                    <a:prstClr val="black">
+                      <a:alpha val="40000"/>
+                    </a:prstClr>
+                  </a:outerShdw>
+                </a:effectLst>
+                <a:latin typeface="ArcadeClassic" charset="0"/>
+                <a:ea typeface="ArcadeClassic" charset="0"/>
+                <a:cs typeface="ArcadeClassic" charset="0"/>
+              </a:rPr>
+              <a:t>B E N Z A  A m a n d i n e </a:t>
+            </a:r>
+            <a:endParaRPr lang="fr-FR" sz="3200" dirty="0">
+              <a:solidFill>
+                <a:srgbClr val="E8EAEC"/>
+              </a:solidFill>
+              <a:effectLst>
+                <a:outerShdw blurRad="50800" dist="76200" dir="2700000" algn="tl" rotWithShape="0">
+                  <a:prstClr val="black">
+                    <a:alpha val="40000"/>
+                  </a:prstClr>
+                </a:outerShdw>
+              </a:effectLst>
+              <a:latin typeface="ArcadeClassic" charset="0"/>
+              <a:ea typeface="ArcadeClassic" charset="0"/>
+              <a:cs typeface="ArcadeClassic" charset="0"/>
+            </a:endParaRPr>
+          </a:p>
+        </p:txBody>
+      </p:sp>
+      <p:sp>
+        <p:nvSpPr>
+          <p:cNvPr id="7" name="ZoneTexte 6"/>
+          <p:cNvSpPr txBox="1"/>
+          <p:nvPr/>
+        </p:nvSpPr>
+        <p:spPr>
+          <a:xfrm>
+            <a:off x="-253388" y="6455884"/>
+            <a:ext cx="184731" cy="369332"/>
+          </a:xfrm>
+          <a:prstGeom prst="rect">
+            <a:avLst/>
+          </a:prstGeom>
+          <a:noFill/>
+        </p:spPr>
+        <p:txBody>
+          <a:bodyPr wrap="none" rtlCol="0">
+            <a:spAutoFit/>
+          </a:bodyPr>
+          <a:lstStyle/>
+          <a:p>
+            <a:endParaRPr lang="fr-FR" dirty="0"/>
           </a:p>
         </p:txBody>
       </p:sp>
@@ -3229,10 +3405,86 @@
           </a:prstGeom>
         </p:spPr>
       </p:pic>
+      <p:sp>
+        <p:nvSpPr>
+          <p:cNvPr id="5" name="Rectangle 4"/>
+          <p:cNvSpPr/>
+          <p:nvPr/>
+        </p:nvSpPr>
+        <p:spPr>
+          <a:xfrm>
+            <a:off x="3922327" y="1030288"/>
+            <a:ext cx="3712876" cy="646331"/>
+          </a:xfrm>
+          <a:prstGeom prst="rect">
+            <a:avLst/>
+          </a:prstGeom>
+        </p:spPr>
+        <p:txBody>
+          <a:bodyPr wrap="none">
+            <a:spAutoFit/>
+          </a:bodyPr>
+          <a:lstStyle/>
+          <a:p>
+            <a:pPr algn="ctr"/>
+            <a:r>
+              <a:rPr lang="fr-FR" sz="3600" dirty="0" smtClean="0">
+                <a:solidFill>
+                  <a:srgbClr val="E8EAEC"/>
+                </a:solidFill>
+                <a:effectLst>
+                  <a:outerShdw blurRad="50800" dist="76200" dir="2700000" algn="tl" rotWithShape="0">
+                    <a:prstClr val="black">
+                      <a:alpha val="40000"/>
+                    </a:prstClr>
+                  </a:outerShdw>
+                </a:effectLst>
+                <a:latin typeface="ArcadeClassic" charset="0"/>
+                <a:ea typeface="ArcadeClassic" charset="0"/>
+                <a:cs typeface="ArcadeClassic" charset="0"/>
+              </a:rPr>
+              <a:t>I.  </a:t>
+            </a:r>
+            <a:r>
+              <a:rPr lang="fr-FR" sz="3600" dirty="0" err="1" smtClean="0">
+                <a:solidFill>
+                  <a:srgbClr val="E8EAEC"/>
+                </a:solidFill>
+                <a:effectLst>
+                  <a:outerShdw blurRad="50800" dist="76200" dir="2700000" algn="tl" rotWithShape="0">
+                    <a:prstClr val="black">
+                      <a:alpha val="40000"/>
+                    </a:prstClr>
+                  </a:outerShdw>
+                </a:effectLst>
+                <a:latin typeface="ArcadeClassic" charset="0"/>
+                <a:ea typeface="ArcadeClassic" charset="0"/>
+                <a:cs typeface="ArcadeClassic" charset="0"/>
+              </a:rPr>
+              <a:t>Presentation</a:t>
+            </a:r>
+            <a:endParaRPr lang="fr-FR" sz="3600" dirty="0">
+              <a:solidFill>
+                <a:srgbClr val="E8EAEC"/>
+              </a:solidFill>
+              <a:effectLst>
+                <a:outerShdw blurRad="50800" dist="76200" dir="2700000" algn="tl" rotWithShape="0">
+                  <a:prstClr val="black">
+                    <a:alpha val="40000"/>
+                  </a:prstClr>
+                </a:outerShdw>
+              </a:effectLst>
+              <a:latin typeface="ArcadeClassic" charset="0"/>
+              <a:ea typeface="ArcadeClassic" charset="0"/>
+              <a:cs typeface="ArcadeClassic" charset="0"/>
+            </a:endParaRPr>
+          </a:p>
+        </p:txBody>
+      </p:sp>
     </p:spTree>
     <p:extLst>
       <p:ext uri="{BB962C8B-B14F-4D97-AF65-F5344CB8AC3E}">
-        <p14:creationId xmlns:p14="http://schemas.microsoft.com/office/powerpoint/2010/main" val="2022397663"/>
+        <p14:creationId xmlns:p14="http://schemas.microsoft.com/office/powerpoint/2010/main" val="723548482"/>
       </p:ext>
     </p:extLst>
   </p:cSld>
@@ -3281,7 +3533,7 @@
           <a:bodyPr/>
           <a:lstStyle/>
           <a:p>
-            <a:endParaRPr lang="fr-FR"/>
+            <a:endParaRPr lang="fr-FR" dirty="0"/>
           </a:p>
         </p:txBody>
       </p:sp>
@@ -3334,10 +3586,68 @@
           </a:prstGeom>
         </p:spPr>
       </p:pic>
+      <p:sp>
+        <p:nvSpPr>
+          <p:cNvPr id="6" name="Rectangle 5"/>
+          <p:cNvSpPr/>
+          <p:nvPr/>
+        </p:nvSpPr>
+        <p:spPr>
+          <a:xfrm>
+            <a:off x="3542419" y="1030288"/>
+            <a:ext cx="4472699" cy="646331"/>
+          </a:xfrm>
+          <a:prstGeom prst="rect">
+            <a:avLst/>
+          </a:prstGeom>
+        </p:spPr>
+        <p:txBody>
+          <a:bodyPr wrap="none">
+            <a:spAutoFit/>
+          </a:bodyPr>
+          <a:lstStyle/>
+          <a:p>
+            <a:pPr algn="ctr"/>
+            <a:r>
+              <a:rPr lang="fr-FR" sz="3600" dirty="0" smtClean="0">
+                <a:solidFill>
+                  <a:srgbClr val="E8EAEC"/>
+                </a:solidFill>
+                <a:effectLst>
+                  <a:outerShdw blurRad="50800" dist="76200" dir="2700000" algn="tl" rotWithShape="0">
+                    <a:prstClr val="black">
+                      <a:alpha val="40000"/>
+                    </a:prstClr>
+                  </a:outerShdw>
+                </a:effectLst>
+                <a:latin typeface="ArcadeClassic" charset="0"/>
+                <a:ea typeface="ArcadeClassic" charset="0"/>
+                <a:cs typeface="ArcadeClassic" charset="0"/>
+              </a:rPr>
+              <a:t>II.  FONCTIONALITES</a:t>
+            </a:r>
+            <a:endParaRPr lang="fr-FR" sz="3600" dirty="0">
+              <a:solidFill>
+                <a:srgbClr val="E8EAEC"/>
+              </a:solidFill>
+              <a:effectLst>
+                <a:outerShdw blurRad="50800" dist="76200" dir="2700000" algn="tl" rotWithShape="0">
+                  <a:prstClr val="black">
+                    <a:alpha val="40000"/>
+                  </a:prstClr>
+                </a:outerShdw>
+              </a:effectLst>
+              <a:latin typeface="ArcadeClassic" charset="0"/>
+              <a:ea typeface="ArcadeClassic" charset="0"/>
+              <a:cs typeface="ArcadeClassic" charset="0"/>
+            </a:endParaRPr>
+          </a:p>
+        </p:txBody>
+      </p:sp>
     </p:spTree>
     <p:extLst>
       <p:ext uri="{BB962C8B-B14F-4D97-AF65-F5344CB8AC3E}">
-        <p14:creationId xmlns:p14="http://schemas.microsoft.com/office/powerpoint/2010/main" val="723548482"/>
+        <p14:creationId xmlns:p14="http://schemas.microsoft.com/office/powerpoint/2010/main" val="1626927660"/>
       </p:ext>
     </p:extLst>
   </p:cSld>
@@ -3439,10 +3749,104 @@
           </a:prstGeom>
         </p:spPr>
       </p:pic>
+      <p:sp>
+        <p:nvSpPr>
+          <p:cNvPr id="7" name="Rectangle 6"/>
+          <p:cNvSpPr/>
+          <p:nvPr/>
+        </p:nvSpPr>
+        <p:spPr>
+          <a:xfrm>
+            <a:off x="3766042" y="1030288"/>
+            <a:ext cx="4025461" cy="646331"/>
+          </a:xfrm>
+          <a:prstGeom prst="rect">
+            <a:avLst/>
+          </a:prstGeom>
+        </p:spPr>
+        <p:txBody>
+          <a:bodyPr wrap="none">
+            <a:spAutoFit/>
+          </a:bodyPr>
+          <a:lstStyle/>
+          <a:p>
+            <a:pPr algn="ctr"/>
+            <a:r>
+              <a:rPr lang="fr-FR" sz="3600" dirty="0" smtClean="0">
+                <a:solidFill>
+                  <a:srgbClr val="E8EAEC"/>
+                </a:solidFill>
+                <a:effectLst>
+                  <a:outerShdw blurRad="50800" dist="76200" dir="2700000" algn="tl" rotWithShape="0">
+                    <a:prstClr val="black">
+                      <a:alpha val="40000"/>
+                    </a:prstClr>
+                  </a:outerShdw>
+                </a:effectLst>
+                <a:latin typeface="ArcadeClassic" charset="0"/>
+                <a:ea typeface="ArcadeClassic" charset="0"/>
+                <a:cs typeface="ArcadeClassic" charset="0"/>
+              </a:rPr>
+              <a:t>III.  </a:t>
+            </a:r>
+            <a:r>
+              <a:rPr lang="fr-FR" sz="3600" dirty="0" err="1" smtClean="0">
+                <a:solidFill>
+                  <a:srgbClr val="E8EAEC"/>
+                </a:solidFill>
+                <a:effectLst>
+                  <a:outerShdw blurRad="50800" dist="76200" dir="2700000" algn="tl" rotWithShape="0">
+                    <a:prstClr val="black">
+                      <a:alpha val="40000"/>
+                    </a:prstClr>
+                  </a:outerShdw>
+                </a:effectLst>
+                <a:latin typeface="ArcadeClassic" charset="0"/>
+                <a:ea typeface="ArcadeClassic" charset="0"/>
+                <a:cs typeface="ArcadeClassic" charset="0"/>
+              </a:rPr>
+              <a:t>Level</a:t>
+            </a:r>
+            <a:r>
+              <a:rPr lang="fr-FR" sz="3600" dirty="0" smtClean="0">
+                <a:solidFill>
+                  <a:srgbClr val="E8EAEC"/>
+                </a:solidFill>
+                <a:effectLst>
+                  <a:outerShdw blurRad="50800" dist="76200" dir="2700000" algn="tl" rotWithShape="0">
+                    <a:prstClr val="black">
+                      <a:alpha val="40000"/>
+                    </a:prstClr>
+                  </a:outerShdw>
+                </a:effectLst>
+                <a:latin typeface="ArcadeClassic" charset="0"/>
+                <a:ea typeface="ArcadeClassic" charset="0"/>
+                <a:cs typeface="ArcadeClassic" charset="0"/>
+              </a:rPr>
+              <a:t> design</a:t>
+            </a:r>
+            <a:endParaRPr lang="fr-FR" sz="3600" dirty="0">
+              <a:solidFill>
+                <a:srgbClr val="E8EAEC"/>
+              </a:solidFill>
+              <a:effectLst>
+                <a:outerShdw blurRad="50800" dist="76200" dir="2700000" algn="tl" rotWithShape="0">
+                  <a:prstClr val="black">
+                    <a:alpha val="40000"/>
+                  </a:prstClr>
+                </a:outerShdw>
+              </a:effectLst>
+              <a:latin typeface="ArcadeClassic" charset="0"/>
+              <a:ea typeface="ArcadeClassic" charset="0"/>
+              <a:cs typeface="ArcadeClassic" charset="0"/>
+            </a:endParaRPr>
+          </a:p>
+        </p:txBody>
+      </p:sp>
     </p:spTree>
     <p:extLst>
       <p:ext uri="{BB962C8B-B14F-4D97-AF65-F5344CB8AC3E}">
-        <p14:creationId xmlns:p14="http://schemas.microsoft.com/office/powerpoint/2010/main" val="1626927660"/>
+        <p14:creationId xmlns:p14="http://schemas.microsoft.com/office/powerpoint/2010/main" val="2011388016"/>
       </p:ext>
     </p:extLst>
   </p:cSld>
@@ -3544,10 +3948,86 @@
           </a:prstGeom>
         </p:spPr>
       </p:pic>
+      <p:sp>
+        <p:nvSpPr>
+          <p:cNvPr id="7" name="Rectangle 6"/>
+          <p:cNvSpPr/>
+          <p:nvPr/>
+        </p:nvSpPr>
+        <p:spPr>
+          <a:xfrm>
+            <a:off x="4808795" y="1030288"/>
+            <a:ext cx="1939955" cy="646331"/>
+          </a:xfrm>
+          <a:prstGeom prst="rect">
+            <a:avLst/>
+          </a:prstGeom>
+        </p:spPr>
+        <p:txBody>
+          <a:bodyPr wrap="none">
+            <a:spAutoFit/>
+          </a:bodyPr>
+          <a:lstStyle/>
+          <a:p>
+            <a:pPr algn="ctr"/>
+            <a:r>
+              <a:rPr lang="fr-FR" sz="3600" dirty="0" smtClean="0">
+                <a:solidFill>
+                  <a:srgbClr val="E8EAEC"/>
+                </a:solidFill>
+                <a:effectLst>
+                  <a:outerShdw blurRad="50800" dist="76200" dir="2700000" algn="tl" rotWithShape="0">
+                    <a:prstClr val="black">
+                      <a:alpha val="40000"/>
+                    </a:prstClr>
+                  </a:outerShdw>
+                </a:effectLst>
+                <a:latin typeface="ArcadeClassic" charset="0"/>
+                <a:ea typeface="ArcadeClassic" charset="0"/>
+                <a:cs typeface="ArcadeClassic" charset="0"/>
+              </a:rPr>
+              <a:t>IV.  </a:t>
+            </a:r>
+            <a:r>
+              <a:rPr lang="fr-FR" sz="3600" dirty="0" err="1" smtClean="0">
+                <a:solidFill>
+                  <a:srgbClr val="E8EAEC"/>
+                </a:solidFill>
+                <a:effectLst>
+                  <a:outerShdw blurRad="50800" dist="76200" dir="2700000" algn="tl" rotWithShape="0">
+                    <a:prstClr val="black">
+                      <a:alpha val="40000"/>
+                    </a:prstClr>
+                  </a:outerShdw>
+                </a:effectLst>
+                <a:latin typeface="ArcadeClassic" charset="0"/>
+                <a:ea typeface="ArcadeClassic" charset="0"/>
+                <a:cs typeface="ArcadeClassic" charset="0"/>
+              </a:rPr>
+              <a:t>Demo</a:t>
+            </a:r>
+            <a:endParaRPr lang="fr-FR" sz="3600" dirty="0">
+              <a:solidFill>
+                <a:srgbClr val="E8EAEC"/>
+              </a:solidFill>
+              <a:effectLst>
+                <a:outerShdw blurRad="50800" dist="76200" dir="2700000" algn="tl" rotWithShape="0">
+                  <a:prstClr val="black">
+                    <a:alpha val="40000"/>
+                  </a:prstClr>
+                </a:outerShdw>
+              </a:effectLst>
+              <a:latin typeface="ArcadeClassic" charset="0"/>
+              <a:ea typeface="ArcadeClassic" charset="0"/>
+              <a:cs typeface="ArcadeClassic" charset="0"/>
+            </a:endParaRPr>
+          </a:p>
+        </p:txBody>
+      </p:sp>
     </p:spTree>
     <p:extLst>
       <p:ext uri="{BB962C8B-B14F-4D97-AF65-F5344CB8AC3E}">
-        <p14:creationId xmlns:p14="http://schemas.microsoft.com/office/powerpoint/2010/main" val="2011388016"/>
+        <p14:creationId xmlns:p14="http://schemas.microsoft.com/office/powerpoint/2010/main" val="1125866409"/>
       </p:ext>
     </p:extLst>
   </p:cSld>
@@ -3869,6 +4349,207 @@
   <p:clrMapOvr>
     <a:masterClrMapping/>
   </p:clrMapOvr>
+  <p:timing>
+    <p:tnLst>
+      <p:par>
+        <p:cTn id="1" dur="indefinite" restart="never" nodeType="tmRoot"/>
+      </p:par>
+    </p:tnLst>
+  </p:timing>
+</p:sld>
+</file>
+
+<file path=ppt/slides/slide9.xml><?xml version="1.0" encoding="utf-8"?>
+<p:sld xmlns:a="http://schemas.openxmlformats.org/drawingml/2006/main" xmlns:r="http://schemas.openxmlformats.org/officeDocument/2006/relationships" xmlns:p="http://schemas.openxmlformats.org/presentationml/2006/main" show="0">
+  <p:cSld>
+    <p:spTree>
+      <p:nvGrpSpPr>
+        <p:cNvPr id="1" name=""/>
+        <p:cNvGrpSpPr/>
+        <p:nvPr/>
+      </p:nvGrpSpPr>
+      <p:grpSpPr>
+        <a:xfrm>
+          <a:off x="0" y="0"/>
+          <a:ext cx="0" cy="0"/>
+          <a:chOff x="0" y="0"/>
+          <a:chExt cx="0" cy="0"/>
+        </a:xfrm>
+      </p:grpSpPr>
+      <p:sp>
+        <p:nvSpPr>
+          <p:cNvPr id="2" name="Titre 1"/>
+          <p:cNvSpPr>
+            <a:spLocks noGrp="1"/>
+          </p:cNvSpPr>
+          <p:nvPr>
+            <p:ph type="ctrTitle"/>
+          </p:nvPr>
+        </p:nvSpPr>
+        <p:spPr/>
+        <p:txBody>
+          <a:bodyPr/>
+          <a:lstStyle/>
+          <a:p>
+            <a:endParaRPr lang="fr-FR"/>
+          </a:p>
+        </p:txBody>
+      </p:sp>
+      <p:sp>
+        <p:nvSpPr>
+          <p:cNvPr id="3" name="Sous-titre 2"/>
+          <p:cNvSpPr>
+            <a:spLocks noGrp="1"/>
+          </p:cNvSpPr>
+          <p:nvPr>
+            <p:ph type="subTitle" idx="1"/>
+          </p:nvPr>
+        </p:nvSpPr>
+        <p:spPr/>
+        <p:txBody>
+          <a:bodyPr/>
+          <a:lstStyle/>
+          <a:p>
+            <a:endParaRPr lang="fr-FR"/>
+          </a:p>
+        </p:txBody>
+      </p:sp>
+      <p:pic>
+        <p:nvPicPr>
+          <p:cNvPr id="4" name="Image 3"/>
+          <p:cNvPicPr>
+            <a:picLocks noChangeAspect="1"/>
+          </p:cNvPicPr>
+          <p:nvPr/>
+        </p:nvPicPr>
+        <p:blipFill>
+          <a:blip r:embed="rId2">
+            <a:extLst>
+              <a:ext uri="{28A0092B-C50C-407E-A947-70E740481C1C}">
+                <a14:useLocalDpi xmlns:a14="http://schemas.microsoft.com/office/drawing/2010/main" val="0"/>
+              </a:ext>
+            </a:extLst>
+          </a:blip>
+          <a:stretch>
+            <a:fillRect/>
+          </a:stretch>
+        </p:blipFill>
+        <p:spPr>
+          <a:xfrm>
+            <a:off x="0" y="-770568"/>
+            <a:ext cx="12286268" cy="8203604"/>
+          </a:xfrm>
+          <a:prstGeom prst="rect">
+            <a:avLst/>
+          </a:prstGeom>
+        </p:spPr>
+      </p:pic>
+      <p:sp>
+        <p:nvSpPr>
+          <p:cNvPr id="5" name="Rectangle 4"/>
+          <p:cNvSpPr/>
+          <p:nvPr/>
+        </p:nvSpPr>
+        <p:spPr>
+          <a:xfrm>
+            <a:off x="0" y="-770568"/>
+            <a:ext cx="12286268" cy="8203603"/>
+          </a:xfrm>
+          <a:prstGeom prst="rect">
+            <a:avLst/>
+          </a:prstGeom>
+          <a:solidFill>
+            <a:srgbClr val="FDFFEE">
+              <a:alpha val="14902"/>
+            </a:srgbClr>
+          </a:solidFill>
+        </p:spPr>
+        <p:style>
+          <a:lnRef idx="2">
+            <a:schemeClr val="accent1">
+              <a:shade val="50000"/>
+            </a:schemeClr>
+          </a:lnRef>
+          <a:fillRef idx="1">
+            <a:schemeClr val="accent1"/>
+          </a:fillRef>
+          <a:effectRef idx="0">
+            <a:schemeClr val="accent1"/>
+          </a:effectRef>
+          <a:fontRef idx="minor">
+            <a:schemeClr val="lt1"/>
+          </a:fontRef>
+        </p:style>
+        <p:txBody>
+          <a:bodyPr rtlCol="0" anchor="ctr"/>
+          <a:lstStyle/>
+          <a:p>
+            <a:pPr algn="ctr"/>
+            <a:endParaRPr lang="fr-FR"/>
+          </a:p>
+        </p:txBody>
+      </p:sp>
+      <p:sp>
+        <p:nvSpPr>
+          <p:cNvPr id="8" name="Rectangle 7"/>
+          <p:cNvSpPr/>
+          <p:nvPr/>
+        </p:nvSpPr>
+        <p:spPr>
+          <a:xfrm>
+            <a:off x="0" y="516790"/>
+            <a:ext cx="12286268" cy="2400657"/>
+          </a:xfrm>
+          <a:prstGeom prst="rect">
+            <a:avLst/>
+          </a:prstGeom>
+        </p:spPr>
+        <p:txBody>
+          <a:bodyPr wrap="square">
+            <a:spAutoFit/>
+          </a:bodyPr>
+          <a:lstStyle/>
+          <a:p>
+            <a:pPr algn="ctr"/>
+            <a:r>
+              <a:rPr lang="fr-FR" sz="15000" dirty="0">
+                <a:solidFill>
+                  <a:schemeClr val="bg1"/>
+                </a:solidFill>
+                <a:effectLst>
+                  <a:outerShdw blurRad="50800" dist="76200" dir="2700000" algn="tl" rotWithShape="0">
+                    <a:prstClr val="black">
+                      <a:alpha val="40000"/>
+                    </a:prstClr>
+                  </a:outerShdw>
+                </a:effectLst>
+                <a:latin typeface="ArcadeClassic" charset="0"/>
+                <a:ea typeface="ArcadeClassic" charset="0"/>
+                <a:cs typeface="ArcadeClassic" charset="0"/>
+              </a:rPr>
+              <a:t>P o r ta k</a:t>
+            </a:r>
+          </a:p>
+        </p:txBody>
+      </p:sp>
+    </p:spTree>
+    <p:extLst>
+      <p:ext uri="{BB962C8B-B14F-4D97-AF65-F5344CB8AC3E}">
+        <p14:creationId xmlns:p14="http://schemas.microsoft.com/office/powerpoint/2010/main" val="2022397663"/>
+      </p:ext>
+    </p:extLst>
+  </p:cSld>
+  <p:clrMapOvr>
+    <a:masterClrMapping/>
+  </p:clrMapOvr>
+  <mc:AlternateContent xmlns:mc="http://schemas.openxmlformats.org/markup-compatibility/2006">
+    <mc:Choice xmlns:p14="http://schemas.microsoft.com/office/powerpoint/2010/main" Requires="p14">
+      <p:transition spd="slow" p14:dur="2000"/>
+    </mc:Choice>
+    <mc:Fallback>
+      <p:transition spd="slow"/>
+    </mc:Fallback>
+  </mc:AlternateContent>
   <p:timing>
     <p:tnLst>
       <p:par>

--- a/Portak.pptx
+++ b/Portak.pptx
@@ -6,14 +6,15 @@
   </p:sldMasterIdLst>
   <p:sldIdLst>
     <p:sldId id="256" r:id="rId2"/>
-    <p:sldId id="258" r:id="rId3"/>
-    <p:sldId id="259" r:id="rId4"/>
-    <p:sldId id="260" r:id="rId5"/>
-    <p:sldId id="264" r:id="rId6"/>
-    <p:sldId id="261" r:id="rId7"/>
-    <p:sldId id="262" r:id="rId8"/>
-    <p:sldId id="263" r:id="rId9"/>
-    <p:sldId id="257" r:id="rId10"/>
+    <p:sldId id="265" r:id="rId3"/>
+    <p:sldId id="258" r:id="rId4"/>
+    <p:sldId id="259" r:id="rId5"/>
+    <p:sldId id="260" r:id="rId6"/>
+    <p:sldId id="264" r:id="rId7"/>
+    <p:sldId id="261" r:id="rId8"/>
+    <p:sldId id="262" r:id="rId9"/>
+    <p:sldId id="263" r:id="rId10"/>
+    <p:sldId id="257" r:id="rId11"/>
   </p:sldIdLst>
   <p:sldSz cx="12192000" cy="6858000"/>
   <p:notesSz cx="6858000" cy="9144000"/>
@@ -120,6 +121,10 @@
 </p:presentation>
 </file>
 
+<file path=ppt/revisionInfo.xml><?xml version="1.0" encoding="utf-8"?>
+<p1510:revInfo xmlns:a="http://schemas.openxmlformats.org/drawingml/2006/main" xmlns:r="http://schemas.openxmlformats.org/officeDocument/2006/relationships" xmlns:p1510="http://schemas.microsoft.com/office/powerpoint/2015/10/main"/>
+</file>
+
 <file path=ppt/slideLayouts/slideLayout1.xml><?xml version="1.0" encoding="utf-8"?>
 <p:sldLayout xmlns:a="http://schemas.openxmlformats.org/drawingml/2006/main" xmlns:r="http://schemas.openxmlformats.org/officeDocument/2006/relationships" xmlns:p="http://schemas.openxmlformats.org/presentationml/2006/main" type="title" preserve="1">
   <p:cSld name="Diapositive de titre">
@@ -162,10 +167,9 @@
           </a:lstStyle>
           <a:p>
             <a:r>
-              <a:rPr lang="fr-FR" smtClean="0"/>
+              <a:rPr lang="fr-FR"/>
               <a:t>Cliquez et modifiez le titre</a:t>
             </a:r>
-            <a:endParaRPr lang="fr-FR"/>
           </a:p>
         </p:txBody>
       </p:sp>
@@ -227,10 +231,9 @@
           </a:lstStyle>
           <a:p>
             <a:r>
-              <a:rPr lang="fr-FR" smtClean="0"/>
+              <a:rPr lang="fr-FR"/>
               <a:t>Cliquez pour modifier le style des sous-titres du masque</a:t>
             </a:r>
-            <a:endParaRPr lang="fr-FR"/>
           </a:p>
         </p:txBody>
       </p:sp>
@@ -251,7 +254,7 @@
           <a:p>
             <a:fld id="{4AAD347D-5ACD-4C99-B74B-A9C85AD731AF}" type="datetimeFigureOut">
               <a:rPr lang="en-US" smtClean="0"/>
-              <a:t>5/12/18</a:t>
+              <a:t>5/13/2018</a:t>
             </a:fld>
             <a:endParaRPr lang="en-US" dirty="0"/>
           </a:p>
@@ -293,7 +296,7 @@
           <a:p>
             <a:fld id="{D57F1E4F-1CFF-5643-939E-02111984F565}" type="slidenum">
               <a:rPr lang="en-US" smtClean="0"/>
-              <a:t>‹#›</a:t>
+              <a:t>‹N°›</a:t>
             </a:fld>
             <a:endParaRPr lang="en-US" dirty="0"/>
           </a:p>
@@ -350,10 +353,9 @@
           <a:lstStyle/>
           <a:p>
             <a:r>
-              <a:rPr lang="fr-FR" smtClean="0"/>
+              <a:rPr lang="fr-FR"/>
               <a:t>Cliquez et modifiez le titre</a:t>
             </a:r>
-            <a:endParaRPr lang="fr-FR"/>
           </a:p>
         </p:txBody>
       </p:sp>
@@ -374,38 +376,37 @@
           <a:p>
             <a:pPr lvl="0"/>
             <a:r>
-              <a:rPr lang="fr-FR" smtClean="0"/>
+              <a:rPr lang="fr-FR"/>
               <a:t>Cliquez pour modifier les styles du texte du masque</a:t>
             </a:r>
           </a:p>
           <a:p>
             <a:pPr lvl="1"/>
             <a:r>
-              <a:rPr lang="fr-FR" smtClean="0"/>
+              <a:rPr lang="fr-FR"/>
               <a:t>Deuxième niveau</a:t>
             </a:r>
           </a:p>
           <a:p>
             <a:pPr lvl="2"/>
             <a:r>
-              <a:rPr lang="fr-FR" smtClean="0"/>
+              <a:rPr lang="fr-FR"/>
               <a:t>Troisième niveau</a:t>
             </a:r>
           </a:p>
           <a:p>
             <a:pPr lvl="3"/>
             <a:r>
-              <a:rPr lang="fr-FR" smtClean="0"/>
+              <a:rPr lang="fr-FR"/>
               <a:t>Quatrième niveau</a:t>
             </a:r>
           </a:p>
           <a:p>
             <a:pPr lvl="4"/>
             <a:r>
-              <a:rPr lang="fr-FR" smtClean="0"/>
+              <a:rPr lang="fr-FR"/>
               <a:t>Cinquième niveau</a:t>
             </a:r>
-            <a:endParaRPr lang="fr-FR"/>
           </a:p>
         </p:txBody>
       </p:sp>
@@ -426,7 +427,7 @@
           <a:p>
             <a:fld id="{4509A250-FF31-4206-8172-F9D3106AACB1}" type="datetimeFigureOut">
               <a:rPr lang="en-US" smtClean="0"/>
-              <a:t>5/12/18</a:t>
+              <a:t>5/13/2018</a:t>
             </a:fld>
             <a:endParaRPr lang="en-US" dirty="0"/>
           </a:p>
@@ -468,7 +469,7 @@
           <a:p>
             <a:fld id="{D57F1E4F-1CFF-5643-939E-02111984F565}" type="slidenum">
               <a:rPr lang="en-US" smtClean="0"/>
-              <a:t>‹#›</a:t>
+              <a:t>‹N°›</a:t>
             </a:fld>
             <a:endParaRPr lang="en-US" dirty="0"/>
           </a:p>
@@ -525,10 +526,9 @@
           <a:lstStyle/>
           <a:p>
             <a:r>
-              <a:rPr lang="fr-FR" smtClean="0"/>
+              <a:rPr lang="fr-FR"/>
               <a:t>Cliquez et modifiez le titre</a:t>
             </a:r>
-            <a:endParaRPr lang="fr-FR"/>
           </a:p>
         </p:txBody>
       </p:sp>
@@ -554,38 +554,37 @@
           <a:p>
             <a:pPr lvl="0"/>
             <a:r>
-              <a:rPr lang="fr-FR" smtClean="0"/>
+              <a:rPr lang="fr-FR"/>
               <a:t>Cliquez pour modifier les styles du texte du masque</a:t>
             </a:r>
           </a:p>
           <a:p>
             <a:pPr lvl="1"/>
             <a:r>
-              <a:rPr lang="fr-FR" smtClean="0"/>
+              <a:rPr lang="fr-FR"/>
               <a:t>Deuxième niveau</a:t>
             </a:r>
           </a:p>
           <a:p>
             <a:pPr lvl="2"/>
             <a:r>
-              <a:rPr lang="fr-FR" smtClean="0"/>
+              <a:rPr lang="fr-FR"/>
               <a:t>Troisième niveau</a:t>
             </a:r>
           </a:p>
           <a:p>
             <a:pPr lvl="3"/>
             <a:r>
-              <a:rPr lang="fr-FR" smtClean="0"/>
+              <a:rPr lang="fr-FR"/>
               <a:t>Quatrième niveau</a:t>
             </a:r>
           </a:p>
           <a:p>
             <a:pPr lvl="4"/>
             <a:r>
-              <a:rPr lang="fr-FR" smtClean="0"/>
+              <a:rPr lang="fr-FR"/>
               <a:t>Cinquième niveau</a:t>
             </a:r>
-            <a:endParaRPr lang="fr-FR"/>
           </a:p>
         </p:txBody>
       </p:sp>
@@ -606,7 +605,7 @@
           <a:p>
             <a:fld id="{4509A250-FF31-4206-8172-F9D3106AACB1}" type="datetimeFigureOut">
               <a:rPr lang="en-US" smtClean="0"/>
-              <a:t>5/12/18</a:t>
+              <a:t>5/13/2018</a:t>
             </a:fld>
             <a:endParaRPr lang="en-US" dirty="0"/>
           </a:p>
@@ -648,7 +647,7 @@
           <a:p>
             <a:fld id="{D57F1E4F-1CFF-5643-939E-02111984F565}" type="slidenum">
               <a:rPr lang="en-US" smtClean="0"/>
-              <a:t>‹#›</a:t>
+              <a:t>‹N°›</a:t>
             </a:fld>
             <a:endParaRPr lang="en-US" dirty="0"/>
           </a:p>
@@ -705,10 +704,9 @@
           <a:lstStyle/>
           <a:p>
             <a:r>
-              <a:rPr lang="fr-FR" smtClean="0"/>
+              <a:rPr lang="fr-FR"/>
               <a:t>Cliquez et modifiez le titre</a:t>
             </a:r>
-            <a:endParaRPr lang="fr-FR"/>
           </a:p>
         </p:txBody>
       </p:sp>
@@ -729,38 +727,37 @@
           <a:p>
             <a:pPr lvl="0"/>
             <a:r>
-              <a:rPr lang="fr-FR" smtClean="0"/>
+              <a:rPr lang="fr-FR"/>
               <a:t>Cliquez pour modifier les styles du texte du masque</a:t>
             </a:r>
           </a:p>
           <a:p>
             <a:pPr lvl="1"/>
             <a:r>
-              <a:rPr lang="fr-FR" smtClean="0"/>
+              <a:rPr lang="fr-FR"/>
               <a:t>Deuxième niveau</a:t>
             </a:r>
           </a:p>
           <a:p>
             <a:pPr lvl="2"/>
             <a:r>
-              <a:rPr lang="fr-FR" smtClean="0"/>
+              <a:rPr lang="fr-FR"/>
               <a:t>Troisième niveau</a:t>
             </a:r>
           </a:p>
           <a:p>
             <a:pPr lvl="3"/>
             <a:r>
-              <a:rPr lang="fr-FR" smtClean="0"/>
+              <a:rPr lang="fr-FR"/>
               <a:t>Quatrième niveau</a:t>
             </a:r>
           </a:p>
           <a:p>
             <a:pPr lvl="4"/>
             <a:r>
-              <a:rPr lang="fr-FR" smtClean="0"/>
+              <a:rPr lang="fr-FR"/>
               <a:t>Cinquième niveau</a:t>
             </a:r>
-            <a:endParaRPr lang="fr-FR"/>
           </a:p>
         </p:txBody>
       </p:sp>
@@ -781,7 +778,7 @@
           <a:p>
             <a:fld id="{4509A250-FF31-4206-8172-F9D3106AACB1}" type="datetimeFigureOut">
               <a:rPr lang="en-US" smtClean="0"/>
-              <a:t>5/12/18</a:t>
+              <a:t>5/13/2018</a:t>
             </a:fld>
             <a:endParaRPr lang="en-US" dirty="0"/>
           </a:p>
@@ -823,7 +820,7 @@
           <a:p>
             <a:fld id="{D57F1E4F-1CFF-5643-939E-02111984F565}" type="slidenum">
               <a:rPr lang="en-US" smtClean="0"/>
-              <a:t>‹#›</a:t>
+              <a:t>‹N°›</a:t>
             </a:fld>
             <a:endParaRPr lang="en-US" dirty="0"/>
           </a:p>
@@ -884,10 +881,9 @@
           </a:lstStyle>
           <a:p>
             <a:r>
-              <a:rPr lang="fr-FR" smtClean="0"/>
+              <a:rPr lang="fr-FR"/>
               <a:t>Cliquez et modifiez le titre</a:t>
             </a:r>
-            <a:endParaRPr lang="fr-FR"/>
           </a:p>
         </p:txBody>
       </p:sp>
@@ -1004,7 +1000,7 @@
           <a:p>
             <a:pPr lvl="0"/>
             <a:r>
-              <a:rPr lang="fr-FR" smtClean="0"/>
+              <a:rPr lang="fr-FR"/>
               <a:t>Cliquez pour modifier les styles du texte du masque</a:t>
             </a:r>
           </a:p>
@@ -1027,7 +1023,7 @@
           <a:p>
             <a:fld id="{9796027F-7875-4030-9381-8BD8C4F21935}" type="datetimeFigureOut">
               <a:rPr lang="en-US" smtClean="0"/>
-              <a:t>5/12/18</a:t>
+              <a:t>5/13/2018</a:t>
             </a:fld>
             <a:endParaRPr lang="en-US" dirty="0"/>
           </a:p>
@@ -1069,7 +1065,7 @@
           <a:p>
             <a:fld id="{D57F1E4F-1CFF-5643-939E-02111984F565}" type="slidenum">
               <a:rPr lang="en-US" smtClean="0"/>
-              <a:t>‹#›</a:t>
+              <a:t>‹N°›</a:t>
             </a:fld>
             <a:endParaRPr lang="en-US" dirty="0"/>
           </a:p>
@@ -1126,10 +1122,9 @@
           <a:lstStyle/>
           <a:p>
             <a:r>
-              <a:rPr lang="fr-FR" smtClean="0"/>
+              <a:rPr lang="fr-FR"/>
               <a:t>Cliquez et modifiez le titre</a:t>
             </a:r>
-            <a:endParaRPr lang="fr-FR"/>
           </a:p>
         </p:txBody>
       </p:sp>
@@ -1155,38 +1150,37 @@
           <a:p>
             <a:pPr lvl="0"/>
             <a:r>
-              <a:rPr lang="fr-FR" smtClean="0"/>
+              <a:rPr lang="fr-FR"/>
               <a:t>Cliquez pour modifier les styles du texte du masque</a:t>
             </a:r>
           </a:p>
           <a:p>
             <a:pPr lvl="1"/>
             <a:r>
-              <a:rPr lang="fr-FR" smtClean="0"/>
+              <a:rPr lang="fr-FR"/>
               <a:t>Deuxième niveau</a:t>
             </a:r>
           </a:p>
           <a:p>
             <a:pPr lvl="2"/>
             <a:r>
-              <a:rPr lang="fr-FR" smtClean="0"/>
+              <a:rPr lang="fr-FR"/>
               <a:t>Troisième niveau</a:t>
             </a:r>
           </a:p>
           <a:p>
             <a:pPr lvl="3"/>
             <a:r>
-              <a:rPr lang="fr-FR" smtClean="0"/>
+              <a:rPr lang="fr-FR"/>
               <a:t>Quatrième niveau</a:t>
             </a:r>
           </a:p>
           <a:p>
             <a:pPr lvl="4"/>
             <a:r>
-              <a:rPr lang="fr-FR" smtClean="0"/>
+              <a:rPr lang="fr-FR"/>
               <a:t>Cinquième niveau</a:t>
             </a:r>
-            <a:endParaRPr lang="fr-FR"/>
           </a:p>
         </p:txBody>
       </p:sp>
@@ -1212,38 +1206,37 @@
           <a:p>
             <a:pPr lvl="0"/>
             <a:r>
-              <a:rPr lang="fr-FR" smtClean="0"/>
+              <a:rPr lang="fr-FR"/>
               <a:t>Cliquez pour modifier les styles du texte du masque</a:t>
             </a:r>
           </a:p>
           <a:p>
             <a:pPr lvl="1"/>
             <a:r>
-              <a:rPr lang="fr-FR" smtClean="0"/>
+              <a:rPr lang="fr-FR"/>
               <a:t>Deuxième niveau</a:t>
             </a:r>
           </a:p>
           <a:p>
             <a:pPr lvl="2"/>
             <a:r>
-              <a:rPr lang="fr-FR" smtClean="0"/>
+              <a:rPr lang="fr-FR"/>
               <a:t>Troisième niveau</a:t>
             </a:r>
           </a:p>
           <a:p>
             <a:pPr lvl="3"/>
             <a:r>
-              <a:rPr lang="fr-FR" smtClean="0"/>
+              <a:rPr lang="fr-FR"/>
               <a:t>Quatrième niveau</a:t>
             </a:r>
           </a:p>
           <a:p>
             <a:pPr lvl="4"/>
             <a:r>
-              <a:rPr lang="fr-FR" smtClean="0"/>
+              <a:rPr lang="fr-FR"/>
               <a:t>Cinquième niveau</a:t>
             </a:r>
-            <a:endParaRPr lang="fr-FR"/>
           </a:p>
         </p:txBody>
       </p:sp>
@@ -1264,7 +1257,7 @@
           <a:p>
             <a:fld id="{9796027F-7875-4030-9381-8BD8C4F21935}" type="datetimeFigureOut">
               <a:rPr lang="en-US" smtClean="0"/>
-              <a:t>5/12/18</a:t>
+              <a:t>5/13/2018</a:t>
             </a:fld>
             <a:endParaRPr lang="en-US" dirty="0"/>
           </a:p>
@@ -1306,7 +1299,7 @@
           <a:p>
             <a:fld id="{D57F1E4F-1CFF-5643-939E-02111984F565}" type="slidenum">
               <a:rPr lang="en-US" smtClean="0"/>
-              <a:t>‹#›</a:t>
+              <a:t>‹N°›</a:t>
             </a:fld>
             <a:endParaRPr lang="en-US" dirty="0"/>
           </a:p>
@@ -1363,10 +1356,9 @@
           <a:lstStyle/>
           <a:p>
             <a:r>
-              <a:rPr lang="fr-FR" smtClean="0"/>
+              <a:rPr lang="fr-FR"/>
               <a:t>Cliquez et modifiez le titre</a:t>
             </a:r>
-            <a:endParaRPr lang="fr-FR"/>
           </a:p>
         </p:txBody>
       </p:sp>
@@ -1429,7 +1421,7 @@
           <a:p>
             <a:pPr lvl="0"/>
             <a:r>
-              <a:rPr lang="fr-FR" smtClean="0"/>
+              <a:rPr lang="fr-FR"/>
               <a:t>Cliquez pour modifier les styles du texte du masque</a:t>
             </a:r>
           </a:p>
@@ -1457,38 +1449,37 @@
           <a:p>
             <a:pPr lvl="0"/>
             <a:r>
-              <a:rPr lang="fr-FR" smtClean="0"/>
+              <a:rPr lang="fr-FR"/>
               <a:t>Cliquez pour modifier les styles du texte du masque</a:t>
             </a:r>
           </a:p>
           <a:p>
             <a:pPr lvl="1"/>
             <a:r>
-              <a:rPr lang="fr-FR" smtClean="0"/>
+              <a:rPr lang="fr-FR"/>
               <a:t>Deuxième niveau</a:t>
             </a:r>
           </a:p>
           <a:p>
             <a:pPr lvl="2"/>
             <a:r>
-              <a:rPr lang="fr-FR" smtClean="0"/>
+              <a:rPr lang="fr-FR"/>
               <a:t>Troisième niveau</a:t>
             </a:r>
           </a:p>
           <a:p>
             <a:pPr lvl="3"/>
             <a:r>
-              <a:rPr lang="fr-FR" smtClean="0"/>
+              <a:rPr lang="fr-FR"/>
               <a:t>Quatrième niveau</a:t>
             </a:r>
           </a:p>
           <a:p>
             <a:pPr lvl="4"/>
             <a:r>
-              <a:rPr lang="fr-FR" smtClean="0"/>
+              <a:rPr lang="fr-FR"/>
               <a:t>Cinquième niveau</a:t>
             </a:r>
-            <a:endParaRPr lang="fr-FR"/>
           </a:p>
         </p:txBody>
       </p:sp>
@@ -1551,7 +1542,7 @@
           <a:p>
             <a:pPr lvl="0"/>
             <a:r>
-              <a:rPr lang="fr-FR" smtClean="0"/>
+              <a:rPr lang="fr-FR"/>
               <a:t>Cliquez pour modifier les styles du texte du masque</a:t>
             </a:r>
           </a:p>
@@ -1579,38 +1570,37 @@
           <a:p>
             <a:pPr lvl="0"/>
             <a:r>
-              <a:rPr lang="fr-FR" smtClean="0"/>
+              <a:rPr lang="fr-FR"/>
               <a:t>Cliquez pour modifier les styles du texte du masque</a:t>
             </a:r>
           </a:p>
           <a:p>
             <a:pPr lvl="1"/>
             <a:r>
-              <a:rPr lang="fr-FR" smtClean="0"/>
+              <a:rPr lang="fr-FR"/>
               <a:t>Deuxième niveau</a:t>
             </a:r>
           </a:p>
           <a:p>
             <a:pPr lvl="2"/>
             <a:r>
-              <a:rPr lang="fr-FR" smtClean="0"/>
+              <a:rPr lang="fr-FR"/>
               <a:t>Troisième niveau</a:t>
             </a:r>
           </a:p>
           <a:p>
             <a:pPr lvl="3"/>
             <a:r>
-              <a:rPr lang="fr-FR" smtClean="0"/>
+              <a:rPr lang="fr-FR"/>
               <a:t>Quatrième niveau</a:t>
             </a:r>
           </a:p>
           <a:p>
             <a:pPr lvl="4"/>
             <a:r>
-              <a:rPr lang="fr-FR" smtClean="0"/>
+              <a:rPr lang="fr-FR"/>
               <a:t>Cinquième niveau</a:t>
             </a:r>
-            <a:endParaRPr lang="fr-FR"/>
           </a:p>
         </p:txBody>
       </p:sp>
@@ -1631,7 +1621,7 @@
           <a:p>
             <a:fld id="{9796027F-7875-4030-9381-8BD8C4F21935}" type="datetimeFigureOut">
               <a:rPr lang="en-US" smtClean="0"/>
-              <a:t>5/12/18</a:t>
+              <a:t>5/13/2018</a:t>
             </a:fld>
             <a:endParaRPr lang="en-US" dirty="0"/>
           </a:p>
@@ -1673,7 +1663,7 @@
           <a:p>
             <a:fld id="{D57F1E4F-1CFF-5643-939E-02111984F565}" type="slidenum">
               <a:rPr lang="en-US" smtClean="0"/>
-              <a:t>‹#›</a:t>
+              <a:t>‹N°›</a:t>
             </a:fld>
             <a:endParaRPr lang="en-US" dirty="0"/>
           </a:p>
@@ -1725,10 +1715,9 @@
           <a:lstStyle/>
           <a:p>
             <a:r>
-              <a:rPr lang="fr-FR" smtClean="0"/>
+              <a:rPr lang="fr-FR"/>
               <a:t>Cliquez et modifiez le titre</a:t>
             </a:r>
-            <a:endParaRPr lang="fr-FR"/>
           </a:p>
         </p:txBody>
       </p:sp>
@@ -1749,7 +1738,7 @@
           <a:p>
             <a:fld id="{4509A250-FF31-4206-8172-F9D3106AACB1}" type="datetimeFigureOut">
               <a:rPr lang="en-US" smtClean="0"/>
-              <a:t>5/12/18</a:t>
+              <a:t>5/13/2018</a:t>
             </a:fld>
             <a:endParaRPr lang="en-US" dirty="0"/>
           </a:p>
@@ -1791,7 +1780,7 @@
           <a:p>
             <a:fld id="{D57F1E4F-1CFF-5643-939E-02111984F565}" type="slidenum">
               <a:rPr lang="en-US" smtClean="0"/>
-              <a:t>‹#›</a:t>
+              <a:t>‹N°›</a:t>
             </a:fld>
             <a:endParaRPr lang="en-US" dirty="0"/>
           </a:p>
@@ -1844,7 +1833,7 @@
           <a:p>
             <a:fld id="{4509A250-FF31-4206-8172-F9D3106AACB1}" type="datetimeFigureOut">
               <a:rPr lang="en-US" smtClean="0"/>
-              <a:t>5/12/18</a:t>
+              <a:t>5/13/2018</a:t>
             </a:fld>
             <a:endParaRPr lang="en-US" dirty="0"/>
           </a:p>
@@ -1886,7 +1875,7 @@
           <a:p>
             <a:fld id="{D57F1E4F-1CFF-5643-939E-02111984F565}" type="slidenum">
               <a:rPr lang="en-US" smtClean="0"/>
-              <a:t>‹#›</a:t>
+              <a:t>‹N°›</a:t>
             </a:fld>
             <a:endParaRPr lang="en-US" dirty="0"/>
           </a:p>
@@ -1947,10 +1936,9 @@
           </a:lstStyle>
           <a:p>
             <a:r>
-              <a:rPr lang="fr-FR" smtClean="0"/>
+              <a:rPr lang="fr-FR"/>
               <a:t>Cliquez et modifiez le titre</a:t>
             </a:r>
-            <a:endParaRPr lang="fr-FR"/>
           </a:p>
         </p:txBody>
       </p:sp>
@@ -2004,38 +1992,37 @@
           <a:p>
             <a:pPr lvl="0"/>
             <a:r>
-              <a:rPr lang="fr-FR" smtClean="0"/>
+              <a:rPr lang="fr-FR"/>
               <a:t>Cliquez pour modifier les styles du texte du masque</a:t>
             </a:r>
           </a:p>
           <a:p>
             <a:pPr lvl="1"/>
             <a:r>
-              <a:rPr lang="fr-FR" smtClean="0"/>
+              <a:rPr lang="fr-FR"/>
               <a:t>Deuxième niveau</a:t>
             </a:r>
           </a:p>
           <a:p>
             <a:pPr lvl="2"/>
             <a:r>
-              <a:rPr lang="fr-FR" smtClean="0"/>
+              <a:rPr lang="fr-FR"/>
               <a:t>Troisième niveau</a:t>
             </a:r>
           </a:p>
           <a:p>
             <a:pPr lvl="3"/>
             <a:r>
-              <a:rPr lang="fr-FR" smtClean="0"/>
+              <a:rPr lang="fr-FR"/>
               <a:t>Quatrième niveau</a:t>
             </a:r>
           </a:p>
           <a:p>
             <a:pPr lvl="4"/>
             <a:r>
-              <a:rPr lang="fr-FR" smtClean="0"/>
+              <a:rPr lang="fr-FR"/>
               <a:t>Cinquième niveau</a:t>
             </a:r>
-            <a:endParaRPr lang="fr-FR"/>
           </a:p>
         </p:txBody>
       </p:sp>
@@ -2098,7 +2085,7 @@
           <a:p>
             <a:pPr lvl="0"/>
             <a:r>
-              <a:rPr lang="fr-FR" smtClean="0"/>
+              <a:rPr lang="fr-FR"/>
               <a:t>Cliquez pour modifier les styles du texte du masque</a:t>
             </a:r>
           </a:p>
@@ -2121,7 +2108,7 @@
           <a:p>
             <a:fld id="{4509A250-FF31-4206-8172-F9D3106AACB1}" type="datetimeFigureOut">
               <a:rPr lang="en-US" smtClean="0"/>
-              <a:t>5/12/18</a:t>
+              <a:t>5/13/2018</a:t>
             </a:fld>
             <a:endParaRPr lang="en-US" dirty="0"/>
           </a:p>
@@ -2163,7 +2150,7 @@
           <a:p>
             <a:fld id="{D57F1E4F-1CFF-5643-939E-02111984F565}" type="slidenum">
               <a:rPr lang="en-US" smtClean="0"/>
-              <a:t>‹#›</a:t>
+              <a:t>‹N°›</a:t>
             </a:fld>
             <a:endParaRPr lang="en-US" dirty="0"/>
           </a:p>
@@ -2224,10 +2211,9 @@
           </a:lstStyle>
           <a:p>
             <a:r>
-              <a:rPr lang="fr-FR" smtClean="0"/>
+              <a:rPr lang="fr-FR"/>
               <a:t>Cliquez et modifiez le titre</a:t>
             </a:r>
-            <a:endParaRPr lang="fr-FR"/>
           </a:p>
         </p:txBody>
       </p:sp>
@@ -2351,7 +2337,7 @@
           <a:p>
             <a:pPr lvl="0"/>
             <a:r>
-              <a:rPr lang="fr-FR" smtClean="0"/>
+              <a:rPr lang="fr-FR"/>
               <a:t>Cliquez pour modifier les styles du texte du masque</a:t>
             </a:r>
           </a:p>
@@ -2374,7 +2360,7 @@
           <a:p>
             <a:fld id="{4509A250-FF31-4206-8172-F9D3106AACB1}" type="datetimeFigureOut">
               <a:rPr lang="en-US" smtClean="0"/>
-              <a:t>5/12/18</a:t>
+              <a:t>5/13/2018</a:t>
             </a:fld>
             <a:endParaRPr lang="en-US" dirty="0"/>
           </a:p>
@@ -2416,7 +2402,7 @@
           <a:p>
             <a:fld id="{D57F1E4F-1CFF-5643-939E-02111984F565}" type="slidenum">
               <a:rPr lang="en-US" smtClean="0"/>
-              <a:t>‹#›</a:t>
+              <a:t>‹N°›</a:t>
             </a:fld>
             <a:endParaRPr lang="en-US" dirty="0"/>
           </a:p>
@@ -2483,10 +2469,9 @@
           <a:lstStyle/>
           <a:p>
             <a:r>
-              <a:rPr lang="fr-FR" smtClean="0"/>
+              <a:rPr lang="fr-FR"/>
               <a:t>Cliquez et modifiez le titre</a:t>
             </a:r>
-            <a:endParaRPr lang="fr-FR"/>
           </a:p>
         </p:txBody>
       </p:sp>
@@ -2517,38 +2502,37 @@
           <a:p>
             <a:pPr lvl="0"/>
             <a:r>
-              <a:rPr lang="fr-FR" smtClean="0"/>
+              <a:rPr lang="fr-FR"/>
               <a:t>Cliquez pour modifier les styles du texte du masque</a:t>
             </a:r>
           </a:p>
           <a:p>
             <a:pPr lvl="1"/>
             <a:r>
-              <a:rPr lang="fr-FR" smtClean="0"/>
+              <a:rPr lang="fr-FR"/>
               <a:t>Deuxième niveau</a:t>
             </a:r>
           </a:p>
           <a:p>
             <a:pPr lvl="2"/>
             <a:r>
-              <a:rPr lang="fr-FR" smtClean="0"/>
+              <a:rPr lang="fr-FR"/>
               <a:t>Troisième niveau</a:t>
             </a:r>
           </a:p>
           <a:p>
             <a:pPr lvl="3"/>
             <a:r>
-              <a:rPr lang="fr-FR" smtClean="0"/>
+              <a:rPr lang="fr-FR"/>
               <a:t>Quatrième niveau</a:t>
             </a:r>
           </a:p>
           <a:p>
             <a:pPr lvl="4"/>
             <a:r>
-              <a:rPr lang="fr-FR" smtClean="0"/>
+              <a:rPr lang="fr-FR"/>
               <a:t>Cinquième niveau</a:t>
             </a:r>
-            <a:endParaRPr lang="fr-FR"/>
           </a:p>
         </p:txBody>
       </p:sp>
@@ -2587,7 +2571,7 @@
           <a:p>
             <a:fld id="{4AAD347D-5ACD-4C99-B74B-A9C85AD731AF}" type="datetimeFigureOut">
               <a:rPr lang="en-US" smtClean="0"/>
-              <a:t>5/12/18</a:t>
+              <a:t>5/13/2018</a:t>
             </a:fld>
             <a:endParaRPr lang="en-US" dirty="0"/>
           </a:p>
@@ -2665,7 +2649,7 @@
           <a:p>
             <a:fld id="{D57F1E4F-1CFF-5643-939E-02111984F565}" type="slidenum">
               <a:rPr lang="en-US" smtClean="0"/>
-              <a:t>‹#›</a:t>
+              <a:t>‹N°›</a:t>
             </a:fld>
             <a:endParaRPr lang="en-US" dirty="0"/>
           </a:p>
@@ -3090,7 +3074,7 @@
           <a:p>
             <a:pPr algn="ctr"/>
             <a:r>
-              <a:rPr lang="fr-FR" sz="15000" dirty="0" smtClean="0">
+              <a:rPr lang="fr-FR" sz="15000" dirty="0">
                 <a:solidFill>
                   <a:schemeClr val="bg1"/>
                 </a:solidFill>
@@ -3107,21 +3091,6 @@
               </a:rPr>
               <a:t>P o r ta k</a:t>
             </a:r>
-            <a:endParaRPr lang="fr-FR" sz="15000" dirty="0">
-              <a:solidFill>
-                <a:schemeClr val="bg1"/>
-              </a:solidFill>
-              <a:effectLst>
-                <a:outerShdw blurRad="50800" dist="76200" dir="2700000" algn="tl" rotWithShape="0">
-                  <a:prstClr val="black">
-                    <a:alpha val="40000"/>
-                  </a:prstClr>
-                </a:outerShdw>
-              </a:effectLst>
-              <a:latin typeface="ArcadeClassic" charset="0"/>
-              <a:ea typeface="ArcadeClassic" charset="0"/>
-              <a:cs typeface="ArcadeClassic" charset="0"/>
-            </a:endParaRPr>
           </a:p>
         </p:txBody>
       </p:sp>
@@ -3149,7 +3118,7 @@
           <a:p>
             <a:pPr algn="ctr"/>
             <a:r>
-              <a:rPr lang="fr-FR" sz="3200" dirty="0" smtClean="0">
+              <a:rPr lang="fr-FR" sz="3200" dirty="0">
                 <a:solidFill>
                   <a:srgbClr val="E8EAEC"/>
                 </a:solidFill>
@@ -3164,28 +3133,10 @@
                 <a:ea typeface="ArcadeClassic" charset="0"/>
                 <a:cs typeface="ArcadeClassic" charset="0"/>
               </a:rPr>
-              <a:t>  </a:t>
-            </a:r>
-            <a:r>
-              <a:rPr lang="fr-FR" sz="3200" dirty="0" smtClean="0">
-                <a:solidFill>
-                  <a:srgbClr val="E8EAEC"/>
-                </a:solidFill>
-                <a:effectLst>
-                  <a:outerShdw blurRad="50800" dist="76200" dir="2700000" algn="tl" rotWithShape="0">
-                    <a:prstClr val="black">
-                      <a:alpha val="40000"/>
-                    </a:prstClr>
-                  </a:outerShdw>
-                </a:effectLst>
-                <a:latin typeface="ArcadeClassic" charset="0"/>
-                <a:ea typeface="ArcadeClassic" charset="0"/>
-                <a:cs typeface="ArcadeClassic" charset="0"/>
-              </a:rPr>
-              <a:t>F O R N A </a:t>
-            </a:r>
-            <a:r>
-              <a:rPr lang="fr-FR" sz="3200" spc="-300" dirty="0" smtClean="0">
+              <a:t>  F O R N A </a:t>
+            </a:r>
+            <a:r>
+              <a:rPr lang="fr-FR" sz="3200" spc="-300" dirty="0">
                 <a:solidFill>
                   <a:srgbClr val="E8EAEC"/>
                 </a:solidFill>
@@ -3203,42 +3154,6 @@
               <a:t>LI</a:t>
             </a:r>
             <a:r>
-              <a:rPr lang="fr-FR" sz="3200" dirty="0" smtClean="0">
-                <a:solidFill>
-                  <a:srgbClr val="E8EAEC"/>
-                </a:solidFill>
-                <a:effectLst>
-                  <a:outerShdw blurRad="50800" dist="76200" dir="2700000" algn="tl" rotWithShape="0">
-                    <a:prstClr val="black">
-                      <a:alpha val="40000"/>
-                    </a:prstClr>
-                  </a:outerShdw>
-                </a:effectLst>
-                <a:latin typeface="ArcadeClassic" charset="0"/>
-                <a:ea typeface="ArcadeClassic" charset="0"/>
-                <a:cs typeface="ArcadeClassic" charset="0"/>
-              </a:rPr>
-              <a:t>   D a m i e </a:t>
-            </a:r>
-            <a:r>
-              <a:rPr lang="fr-FR" sz="3200" dirty="0" smtClean="0">
-                <a:solidFill>
-                  <a:srgbClr val="E8EAEC"/>
-                </a:solidFill>
-                <a:effectLst>
-                  <a:outerShdw blurRad="50800" dist="76200" dir="2700000" algn="tl" rotWithShape="0">
-                    <a:prstClr val="black">
-                      <a:alpha val="40000"/>
-                    </a:prstClr>
-                  </a:outerShdw>
-                </a:effectLst>
-                <a:latin typeface="ArcadeClassic" charset="0"/>
-                <a:ea typeface="ArcadeClassic" charset="0"/>
-                <a:cs typeface="ArcadeClassic" charset="0"/>
-              </a:rPr>
-              <a:t>n  -  </a:t>
-            </a:r>
-            <a:r>
               <a:rPr lang="fr-FR" sz="3200" dirty="0">
                 <a:solidFill>
                   <a:srgbClr val="E8EAEC"/>
@@ -3254,23 +3169,8 @@
                 <a:ea typeface="ArcadeClassic" charset="0"/>
                 <a:cs typeface="ArcadeClassic" charset="0"/>
               </a:rPr>
-              <a:t>B E N Z A  A m a n d i n e </a:t>
-            </a:r>
-            <a:endParaRPr lang="fr-FR" sz="3200" dirty="0">
-              <a:solidFill>
-                <a:srgbClr val="E8EAEC"/>
-              </a:solidFill>
-              <a:effectLst>
-                <a:outerShdw blurRad="50800" dist="76200" dir="2700000" algn="tl" rotWithShape="0">
-                  <a:prstClr val="black">
-                    <a:alpha val="40000"/>
-                  </a:prstClr>
-                </a:outerShdw>
-              </a:effectLst>
-              <a:latin typeface="ArcadeClassic" charset="0"/>
-              <a:ea typeface="ArcadeClassic" charset="0"/>
-              <a:cs typeface="ArcadeClassic" charset="0"/>
-            </a:endParaRPr>
+              <a:t>   D a m i e n -  B E N Z A  A m a n d i n e </a:t>
+            </a:r>
           </a:p>
         </p:txBody>
       </p:sp>
@@ -3310,18 +3210,11 @@
   <p:clrMapOvr>
     <a:masterClrMapping/>
   </p:clrMapOvr>
-  <p:timing>
-    <p:tnLst>
-      <p:par>
-        <p:cTn id="1" dur="indefinite" restart="never" nodeType="tmRoot"/>
-      </p:par>
-    </p:tnLst>
-  </p:timing>
 </p:sld>
 </file>
 
-<file path=ppt/slides/slide2.xml><?xml version="1.0" encoding="utf-8"?>
-<p:sld xmlns:a="http://schemas.openxmlformats.org/drawingml/2006/main" xmlns:r="http://schemas.openxmlformats.org/officeDocument/2006/relationships" xmlns:p="http://schemas.openxmlformats.org/presentationml/2006/main">
+<file path=ppt/slides/slide10.xml><?xml version="1.0" encoding="utf-8"?>
+<p:sld xmlns:a="http://schemas.openxmlformats.org/drawingml/2006/main" xmlns:r="http://schemas.openxmlformats.org/officeDocument/2006/relationships" xmlns:p="http://schemas.openxmlformats.org/presentationml/2006/main" show="0">
   <p:cSld>
     <p:spTree>
       <p:nvGrpSpPr>
@@ -3413,24 +3306,69 @@
         </p:nvSpPr>
         <p:spPr>
           <a:xfrm>
-            <a:off x="3922327" y="1030288"/>
-            <a:ext cx="3712876" cy="646331"/>
+            <a:off x="0" y="-770568"/>
+            <a:ext cx="12286268" cy="8203603"/>
+          </a:xfrm>
+          <a:prstGeom prst="rect">
+            <a:avLst/>
+          </a:prstGeom>
+          <a:solidFill>
+            <a:srgbClr val="FDFFEE">
+              <a:alpha val="14902"/>
+            </a:srgbClr>
+          </a:solidFill>
+        </p:spPr>
+        <p:style>
+          <a:lnRef idx="2">
+            <a:schemeClr val="accent1">
+              <a:shade val="50000"/>
+            </a:schemeClr>
+          </a:lnRef>
+          <a:fillRef idx="1">
+            <a:schemeClr val="accent1"/>
+          </a:fillRef>
+          <a:effectRef idx="0">
+            <a:schemeClr val="accent1"/>
+          </a:effectRef>
+          <a:fontRef idx="minor">
+            <a:schemeClr val="lt1"/>
+          </a:fontRef>
+        </p:style>
+        <p:txBody>
+          <a:bodyPr rtlCol="0" anchor="ctr"/>
+          <a:lstStyle/>
+          <a:p>
+            <a:pPr algn="ctr"/>
+            <a:endParaRPr lang="fr-FR"/>
+          </a:p>
+        </p:txBody>
+      </p:sp>
+      <p:sp>
+        <p:nvSpPr>
+          <p:cNvPr id="8" name="Rectangle 7"/>
+          <p:cNvSpPr/>
+          <p:nvPr/>
+        </p:nvSpPr>
+        <p:spPr>
+          <a:xfrm>
+            <a:off x="0" y="516790"/>
+            <a:ext cx="12286268" cy="2400657"/>
           </a:xfrm>
           <a:prstGeom prst="rect">
             <a:avLst/>
           </a:prstGeom>
         </p:spPr>
         <p:txBody>
-          <a:bodyPr wrap="none">
+          <a:bodyPr wrap="square">
             <a:spAutoFit/>
           </a:bodyPr>
           <a:lstStyle/>
           <a:p>
             <a:pPr algn="ctr"/>
             <a:r>
-              <a:rPr lang="fr-FR" sz="3600" dirty="0" smtClean="0">
+              <a:rPr lang="fr-FR" sz="15000" dirty="0">
                 <a:solidFill>
-                  <a:srgbClr val="E8EAEC"/>
+                  <a:schemeClr val="bg1"/>
                 </a:solidFill>
                 <a:effectLst>
                   <a:outerShdw blurRad="50800" dist="76200" dir="2700000" algn="tl" rotWithShape="0">
@@ -3443,65 +3381,25 @@
                 <a:ea typeface="ArcadeClassic" charset="0"/>
                 <a:cs typeface="ArcadeClassic" charset="0"/>
               </a:rPr>
-              <a:t>I.  </a:t>
-            </a:r>
-            <a:r>
-              <a:rPr lang="fr-FR" sz="3600" dirty="0" err="1" smtClean="0">
-                <a:solidFill>
-                  <a:srgbClr val="E8EAEC"/>
-                </a:solidFill>
-                <a:effectLst>
-                  <a:outerShdw blurRad="50800" dist="76200" dir="2700000" algn="tl" rotWithShape="0">
-                    <a:prstClr val="black">
-                      <a:alpha val="40000"/>
-                    </a:prstClr>
-                  </a:outerShdw>
-                </a:effectLst>
-                <a:latin typeface="ArcadeClassic" charset="0"/>
-                <a:ea typeface="ArcadeClassic" charset="0"/>
-                <a:cs typeface="ArcadeClassic" charset="0"/>
-              </a:rPr>
-              <a:t>Presentation</a:t>
-            </a:r>
-            <a:endParaRPr lang="fr-FR" sz="3600" dirty="0">
-              <a:solidFill>
-                <a:srgbClr val="E8EAEC"/>
-              </a:solidFill>
-              <a:effectLst>
-                <a:outerShdw blurRad="50800" dist="76200" dir="2700000" algn="tl" rotWithShape="0">
-                  <a:prstClr val="black">
-                    <a:alpha val="40000"/>
-                  </a:prstClr>
-                </a:outerShdw>
-              </a:effectLst>
-              <a:latin typeface="ArcadeClassic" charset="0"/>
-              <a:ea typeface="ArcadeClassic" charset="0"/>
-              <a:cs typeface="ArcadeClassic" charset="0"/>
-            </a:endParaRPr>
+              <a:t>P o r ta k</a:t>
+            </a:r>
           </a:p>
         </p:txBody>
       </p:sp>
     </p:spTree>
     <p:extLst>
       <p:ext uri="{BB962C8B-B14F-4D97-AF65-F5344CB8AC3E}">
-        <p14:creationId xmlns:p14="http://schemas.microsoft.com/office/powerpoint/2010/main" val="723548482"/>
+        <p14:creationId xmlns:p14="http://schemas.microsoft.com/office/powerpoint/2010/main" val="2022397663"/>
       </p:ext>
     </p:extLst>
   </p:cSld>
   <p:clrMapOvr>
     <a:masterClrMapping/>
   </p:clrMapOvr>
-  <p:timing>
-    <p:tnLst>
-      <p:par>
-        <p:cTn id="1" dur="indefinite" restart="never" nodeType="tmRoot"/>
-      </p:par>
-    </p:tnLst>
-  </p:timing>
 </p:sld>
 </file>
 
-<file path=ppt/slides/slide3.xml><?xml version="1.0" encoding="utf-8"?>
+<file path=ppt/slides/slide2.xml><?xml version="1.0" encoding="utf-8"?>
 <p:sld xmlns:a="http://schemas.openxmlformats.org/drawingml/2006/main" xmlns:r="http://schemas.openxmlformats.org/officeDocument/2006/relationships" xmlns:p="http://schemas.openxmlformats.org/presentationml/2006/main">
   <p:cSld>
     <p:spTree>
@@ -3533,7 +3431,7 @@
           <a:bodyPr/>
           <a:lstStyle/>
           <a:p>
-            <a:endParaRPr lang="fr-FR" dirty="0"/>
+            <a:endParaRPr lang="fr-FR"/>
           </a:p>
         </p:txBody>
       </p:sp>
@@ -3588,14 +3486,14 @@
       </p:pic>
       <p:sp>
         <p:nvSpPr>
-          <p:cNvPr id="6" name="Rectangle 5"/>
+          <p:cNvPr id="5" name="Rectangle 4"/>
           <p:cNvSpPr/>
           <p:nvPr/>
         </p:nvSpPr>
         <p:spPr>
           <a:xfrm>
-            <a:off x="3542419" y="1030288"/>
-            <a:ext cx="4472699" cy="646331"/>
+            <a:off x="3922327" y="276739"/>
+            <a:ext cx="3712876" cy="646331"/>
           </a:xfrm>
           <a:prstGeom prst="rect">
             <a:avLst/>
@@ -3609,7 +3507,7 @@
           <a:p>
             <a:pPr algn="ctr"/>
             <a:r>
-              <a:rPr lang="fr-FR" sz="3600" dirty="0" smtClean="0">
+              <a:rPr lang="fr-FR" sz="3600" dirty="0">
                 <a:solidFill>
                   <a:srgbClr val="E8EAEC"/>
                 </a:solidFill>
@@ -3624,7 +3522,25 @@
                 <a:ea typeface="ArcadeClassic" charset="0"/>
                 <a:cs typeface="ArcadeClassic" charset="0"/>
               </a:rPr>
-              <a:t>II.  FONCTIONALITES</a:t>
+              <a:t>I.  </a:t>
+            </a:r>
+            <a:r>
+              <a:rPr lang="fr-FR" sz="3600" dirty="0" err="1">
+                <a:solidFill>
+                  <a:srgbClr val="E8EAEC"/>
+                </a:solidFill>
+                <a:effectLst>
+                  <a:outerShdw blurRad="50800" dist="76200" dir="2700000" algn="tl" rotWithShape="0">
+                    <a:prstClr val="black">
+                      <a:alpha val="40000"/>
+                    </a:prstClr>
+                  </a:outerShdw>
+                </a:effectLst>
+                <a:latin typeface="ArcadeClassic" charset="0"/>
+                <a:ea typeface="ArcadeClassic" charset="0"/>
+                <a:cs typeface="ArcadeClassic" charset="0"/>
+              </a:rPr>
+              <a:t>Presentation</a:t>
             </a:r>
             <a:endParaRPr lang="fr-FR" sz="3600" dirty="0">
               <a:solidFill>
@@ -3647,24 +3563,17 @@
     </p:spTree>
     <p:extLst>
       <p:ext uri="{BB962C8B-B14F-4D97-AF65-F5344CB8AC3E}">
-        <p14:creationId xmlns:p14="http://schemas.microsoft.com/office/powerpoint/2010/main" val="1626927660"/>
+        <p14:creationId xmlns:p14="http://schemas.microsoft.com/office/powerpoint/2010/main" val="1145163428"/>
       </p:ext>
     </p:extLst>
   </p:cSld>
   <p:clrMapOvr>
     <a:masterClrMapping/>
   </p:clrMapOvr>
-  <p:timing>
-    <p:tnLst>
-      <p:par>
-        <p:cTn id="1" dur="indefinite" restart="never" nodeType="tmRoot"/>
-      </p:par>
-    </p:tnLst>
-  </p:timing>
 </p:sld>
 </file>
 
-<file path=ppt/slides/slide4.xml><?xml version="1.0" encoding="utf-8"?>
+<file path=ppt/slides/slide3.xml><?xml version="1.0" encoding="utf-8"?>
 <p:sld xmlns:a="http://schemas.openxmlformats.org/drawingml/2006/main" xmlns:r="http://schemas.openxmlformats.org/officeDocument/2006/relationships" xmlns:p="http://schemas.openxmlformats.org/presentationml/2006/main">
   <p:cSld>
     <p:spTree>
@@ -3751,14 +3660,14 @@
       </p:pic>
       <p:sp>
         <p:nvSpPr>
-          <p:cNvPr id="7" name="Rectangle 6"/>
+          <p:cNvPr id="5" name="Rectangle 4"/>
           <p:cNvSpPr/>
           <p:nvPr/>
         </p:nvSpPr>
         <p:spPr>
           <a:xfrm>
-            <a:off x="3766042" y="1030288"/>
-            <a:ext cx="4025461" cy="646331"/>
+            <a:off x="3922327" y="276739"/>
+            <a:ext cx="3712876" cy="646331"/>
           </a:xfrm>
           <a:prstGeom prst="rect">
             <a:avLst/>
@@ -3772,7 +3681,7 @@
           <a:p>
             <a:pPr algn="ctr"/>
             <a:r>
-              <a:rPr lang="fr-FR" sz="3600" dirty="0" smtClean="0">
+              <a:rPr lang="fr-FR" sz="3600" dirty="0">
                 <a:solidFill>
                   <a:srgbClr val="E8EAEC"/>
                 </a:solidFill>
@@ -3787,10 +3696,10 @@
                 <a:ea typeface="ArcadeClassic" charset="0"/>
                 <a:cs typeface="ArcadeClassic" charset="0"/>
               </a:rPr>
-              <a:t>III.  </a:t>
-            </a:r>
-            <a:r>
-              <a:rPr lang="fr-FR" sz="3600" dirty="0" err="1" smtClean="0">
+              <a:t>I.  </a:t>
+            </a:r>
+            <a:r>
+              <a:rPr lang="fr-FR" sz="3600" dirty="0" err="1">
                 <a:solidFill>
                   <a:srgbClr val="E8EAEC"/>
                 </a:solidFill>
@@ -3805,25 +3714,7 @@
                 <a:ea typeface="ArcadeClassic" charset="0"/>
                 <a:cs typeface="ArcadeClassic" charset="0"/>
               </a:rPr>
-              <a:t>Level</a:t>
-            </a:r>
-            <a:r>
-              <a:rPr lang="fr-FR" sz="3600" dirty="0" smtClean="0">
-                <a:solidFill>
-                  <a:srgbClr val="E8EAEC"/>
-                </a:solidFill>
-                <a:effectLst>
-                  <a:outerShdw blurRad="50800" dist="76200" dir="2700000" algn="tl" rotWithShape="0">
-                    <a:prstClr val="black">
-                      <a:alpha val="40000"/>
-                    </a:prstClr>
-                  </a:outerShdw>
-                </a:effectLst>
-                <a:latin typeface="ArcadeClassic" charset="0"/>
-                <a:ea typeface="ArcadeClassic" charset="0"/>
-                <a:cs typeface="ArcadeClassic" charset="0"/>
-              </a:rPr>
-              <a:t> design</a:t>
+              <a:t>Presentation</a:t>
             </a:r>
             <a:endParaRPr lang="fr-FR" sz="3600" dirty="0">
               <a:solidFill>
@@ -3843,27 +3734,78 @@
           </a:p>
         </p:txBody>
       </p:sp>
+      <p:pic>
+        <p:nvPicPr>
+          <p:cNvPr id="1026" name="Picture 2" descr="https://cdn.discordapp.com/attachments/389887163824865302/445284537774243851/unknown.png">
+            <a:extLst>
+              <a:ext uri="{FF2B5EF4-FFF2-40B4-BE49-F238E27FC236}">
+                <a16:creationId xmlns:a16="http://schemas.microsoft.com/office/drawing/2014/main" id="{E92BEDFF-1D38-4D41-9798-240AEF5F0504}"/>
+              </a:ext>
+            </a:extLst>
+          </p:cNvPr>
+          <p:cNvPicPr>
+            <a:picLocks noChangeAspect="1" noChangeArrowheads="1"/>
+          </p:cNvPicPr>
+          <p:nvPr/>
+        </p:nvPicPr>
+        <p:blipFill>
+          <a:blip r:embed="rId3">
+            <a:extLst>
+              <a:ext uri="{28A0092B-C50C-407E-A947-70E740481C1C}">
+                <a14:useLocalDpi xmlns:a14="http://schemas.microsoft.com/office/drawing/2010/main" val="0"/>
+              </a:ext>
+            </a:extLst>
+          </a:blip>
+          <a:srcRect/>
+          <a:stretch>
+            <a:fillRect/>
+          </a:stretch>
+        </p:blipFill>
+        <p:spPr bwMode="auto">
+          <a:xfrm>
+            <a:off x="2338893" y="1268737"/>
+            <a:ext cx="6879744" cy="4574527"/>
+          </a:xfrm>
+          <a:prstGeom prst="rect">
+            <a:avLst/>
+          </a:prstGeom>
+          <a:ln w="19050">
+            <a:solidFill>
+              <a:schemeClr val="tx1"/>
+            </a:solidFill>
+          </a:ln>
+          <a:effectLst>
+            <a:outerShdw blurRad="292100" dist="139700" dir="2700000" algn="tl" rotWithShape="0">
+              <a:srgbClr val="333333">
+                <a:alpha val="65000"/>
+              </a:srgbClr>
+            </a:outerShdw>
+          </a:effectLst>
+          <a:extLst>
+            <a:ext uri="{909E8E84-426E-40DD-AFC4-6F175D3DCCD1}">
+              <a14:hiddenFill xmlns:a14="http://schemas.microsoft.com/office/drawing/2010/main">
+                <a:solidFill>
+                  <a:srgbClr val="FFFFFF"/>
+                </a:solidFill>
+              </a14:hiddenFill>
+            </a:ext>
+          </a:extLst>
+        </p:spPr>
+      </p:pic>
     </p:spTree>
     <p:extLst>
       <p:ext uri="{BB962C8B-B14F-4D97-AF65-F5344CB8AC3E}">
-        <p14:creationId xmlns:p14="http://schemas.microsoft.com/office/powerpoint/2010/main" val="2011388016"/>
+        <p14:creationId xmlns:p14="http://schemas.microsoft.com/office/powerpoint/2010/main" val="723548482"/>
       </p:ext>
     </p:extLst>
   </p:cSld>
   <p:clrMapOvr>
     <a:masterClrMapping/>
   </p:clrMapOvr>
-  <p:timing>
-    <p:tnLst>
-      <p:par>
-        <p:cTn id="1" dur="indefinite" restart="never" nodeType="tmRoot"/>
-      </p:par>
-    </p:tnLst>
-  </p:timing>
 </p:sld>
 </file>
 
-<file path=ppt/slides/slide5.xml><?xml version="1.0" encoding="utf-8"?>
+<file path=ppt/slides/slide4.xml><?xml version="1.0" encoding="utf-8"?>
 <p:sld xmlns:a="http://schemas.openxmlformats.org/drawingml/2006/main" xmlns:r="http://schemas.openxmlformats.org/officeDocument/2006/relationships" xmlns:p="http://schemas.openxmlformats.org/presentationml/2006/main">
   <p:cSld>
     <p:spTree>
@@ -3895,7 +3837,7 @@
           <a:bodyPr/>
           <a:lstStyle/>
           <a:p>
-            <a:endParaRPr lang="fr-FR"/>
+            <a:endParaRPr lang="fr-FR" dirty="0"/>
           </a:p>
         </p:txBody>
       </p:sp>
@@ -3950,6 +3892,324 @@
       </p:pic>
       <p:sp>
         <p:nvSpPr>
+          <p:cNvPr id="6" name="Rectangle 5"/>
+          <p:cNvSpPr/>
+          <p:nvPr/>
+        </p:nvSpPr>
+        <p:spPr>
+          <a:xfrm>
+            <a:off x="3542419" y="1030288"/>
+            <a:ext cx="4472699" cy="646331"/>
+          </a:xfrm>
+          <a:prstGeom prst="rect">
+            <a:avLst/>
+          </a:prstGeom>
+        </p:spPr>
+        <p:txBody>
+          <a:bodyPr wrap="none">
+            <a:spAutoFit/>
+          </a:bodyPr>
+          <a:lstStyle/>
+          <a:p>
+            <a:pPr algn="ctr"/>
+            <a:r>
+              <a:rPr lang="fr-FR" sz="3600" dirty="0">
+                <a:solidFill>
+                  <a:srgbClr val="E8EAEC"/>
+                </a:solidFill>
+                <a:effectLst>
+                  <a:outerShdw blurRad="50800" dist="76200" dir="2700000" algn="tl" rotWithShape="0">
+                    <a:prstClr val="black">
+                      <a:alpha val="40000"/>
+                    </a:prstClr>
+                  </a:outerShdw>
+                </a:effectLst>
+                <a:latin typeface="ArcadeClassic" charset="0"/>
+                <a:ea typeface="ArcadeClassic" charset="0"/>
+                <a:cs typeface="ArcadeClassic" charset="0"/>
+              </a:rPr>
+              <a:t>II.  FONCTIONALITES</a:t>
+            </a:r>
+          </a:p>
+        </p:txBody>
+      </p:sp>
+    </p:spTree>
+    <p:extLst>
+      <p:ext uri="{BB962C8B-B14F-4D97-AF65-F5344CB8AC3E}">
+        <p14:creationId xmlns:p14="http://schemas.microsoft.com/office/powerpoint/2010/main" val="1626927660"/>
+      </p:ext>
+    </p:extLst>
+  </p:cSld>
+  <p:clrMapOvr>
+    <a:masterClrMapping/>
+  </p:clrMapOvr>
+</p:sld>
+</file>
+
+<file path=ppt/slides/slide5.xml><?xml version="1.0" encoding="utf-8"?>
+<p:sld xmlns:a="http://schemas.openxmlformats.org/drawingml/2006/main" xmlns:r="http://schemas.openxmlformats.org/officeDocument/2006/relationships" xmlns:p="http://schemas.openxmlformats.org/presentationml/2006/main">
+  <p:cSld>
+    <p:spTree>
+      <p:nvGrpSpPr>
+        <p:cNvPr id="1" name=""/>
+        <p:cNvGrpSpPr/>
+        <p:nvPr/>
+      </p:nvGrpSpPr>
+      <p:grpSpPr>
+        <a:xfrm>
+          <a:off x="0" y="0"/>
+          <a:ext cx="0" cy="0"/>
+          <a:chOff x="0" y="0"/>
+          <a:chExt cx="0" cy="0"/>
+        </a:xfrm>
+      </p:grpSpPr>
+      <p:sp>
+        <p:nvSpPr>
+          <p:cNvPr id="2" name="Titre 1"/>
+          <p:cNvSpPr>
+            <a:spLocks noGrp="1"/>
+          </p:cNvSpPr>
+          <p:nvPr>
+            <p:ph type="ctrTitle"/>
+          </p:nvPr>
+        </p:nvSpPr>
+        <p:spPr/>
+        <p:txBody>
+          <a:bodyPr/>
+          <a:lstStyle/>
+          <a:p>
+            <a:endParaRPr lang="fr-FR"/>
+          </a:p>
+        </p:txBody>
+      </p:sp>
+      <p:sp>
+        <p:nvSpPr>
+          <p:cNvPr id="3" name="Sous-titre 2"/>
+          <p:cNvSpPr>
+            <a:spLocks noGrp="1"/>
+          </p:cNvSpPr>
+          <p:nvPr>
+            <p:ph type="subTitle" idx="1"/>
+          </p:nvPr>
+        </p:nvSpPr>
+        <p:spPr/>
+        <p:txBody>
+          <a:bodyPr/>
+          <a:lstStyle/>
+          <a:p>
+            <a:endParaRPr lang="fr-FR"/>
+          </a:p>
+        </p:txBody>
+      </p:sp>
+      <p:pic>
+        <p:nvPicPr>
+          <p:cNvPr id="4" name="Image 3"/>
+          <p:cNvPicPr>
+            <a:picLocks noChangeAspect="1"/>
+          </p:cNvPicPr>
+          <p:nvPr/>
+        </p:nvPicPr>
+        <p:blipFill>
+          <a:blip r:embed="rId2">
+            <a:extLst>
+              <a:ext uri="{28A0092B-C50C-407E-A947-70E740481C1C}">
+                <a14:useLocalDpi xmlns:a14="http://schemas.microsoft.com/office/drawing/2010/main" val="0"/>
+              </a:ext>
+            </a:extLst>
+          </a:blip>
+          <a:stretch>
+            <a:fillRect/>
+          </a:stretch>
+        </p:blipFill>
+        <p:spPr>
+          <a:xfrm>
+            <a:off x="0" y="-770568"/>
+            <a:ext cx="12286268" cy="8203604"/>
+          </a:xfrm>
+          <a:prstGeom prst="rect">
+            <a:avLst/>
+          </a:prstGeom>
+        </p:spPr>
+      </p:pic>
+      <p:sp>
+        <p:nvSpPr>
+          <p:cNvPr id="7" name="Rectangle 6"/>
+          <p:cNvSpPr/>
+          <p:nvPr/>
+        </p:nvSpPr>
+        <p:spPr>
+          <a:xfrm>
+            <a:off x="3766042" y="1030288"/>
+            <a:ext cx="4025461" cy="646331"/>
+          </a:xfrm>
+          <a:prstGeom prst="rect">
+            <a:avLst/>
+          </a:prstGeom>
+        </p:spPr>
+        <p:txBody>
+          <a:bodyPr wrap="none">
+            <a:spAutoFit/>
+          </a:bodyPr>
+          <a:lstStyle/>
+          <a:p>
+            <a:pPr algn="ctr"/>
+            <a:r>
+              <a:rPr lang="fr-FR" sz="3600" dirty="0">
+                <a:solidFill>
+                  <a:srgbClr val="E8EAEC"/>
+                </a:solidFill>
+                <a:effectLst>
+                  <a:outerShdw blurRad="50800" dist="76200" dir="2700000" algn="tl" rotWithShape="0">
+                    <a:prstClr val="black">
+                      <a:alpha val="40000"/>
+                    </a:prstClr>
+                  </a:outerShdw>
+                </a:effectLst>
+                <a:latin typeface="ArcadeClassic" charset="0"/>
+                <a:ea typeface="ArcadeClassic" charset="0"/>
+                <a:cs typeface="ArcadeClassic" charset="0"/>
+              </a:rPr>
+              <a:t>III.  </a:t>
+            </a:r>
+            <a:r>
+              <a:rPr lang="fr-FR" sz="3600" dirty="0" err="1">
+                <a:solidFill>
+                  <a:srgbClr val="E8EAEC"/>
+                </a:solidFill>
+                <a:effectLst>
+                  <a:outerShdw blurRad="50800" dist="76200" dir="2700000" algn="tl" rotWithShape="0">
+                    <a:prstClr val="black">
+                      <a:alpha val="40000"/>
+                    </a:prstClr>
+                  </a:outerShdw>
+                </a:effectLst>
+                <a:latin typeface="ArcadeClassic" charset="0"/>
+                <a:ea typeface="ArcadeClassic" charset="0"/>
+                <a:cs typeface="ArcadeClassic" charset="0"/>
+              </a:rPr>
+              <a:t>Level</a:t>
+            </a:r>
+            <a:r>
+              <a:rPr lang="fr-FR" sz="3600" dirty="0">
+                <a:solidFill>
+                  <a:srgbClr val="E8EAEC"/>
+                </a:solidFill>
+                <a:effectLst>
+                  <a:outerShdw blurRad="50800" dist="76200" dir="2700000" algn="tl" rotWithShape="0">
+                    <a:prstClr val="black">
+                      <a:alpha val="40000"/>
+                    </a:prstClr>
+                  </a:outerShdw>
+                </a:effectLst>
+                <a:latin typeface="ArcadeClassic" charset="0"/>
+                <a:ea typeface="ArcadeClassic" charset="0"/>
+                <a:cs typeface="ArcadeClassic" charset="0"/>
+              </a:rPr>
+              <a:t> design</a:t>
+            </a:r>
+          </a:p>
+        </p:txBody>
+      </p:sp>
+    </p:spTree>
+    <p:extLst>
+      <p:ext uri="{BB962C8B-B14F-4D97-AF65-F5344CB8AC3E}">
+        <p14:creationId xmlns:p14="http://schemas.microsoft.com/office/powerpoint/2010/main" val="2011388016"/>
+      </p:ext>
+    </p:extLst>
+  </p:cSld>
+  <p:clrMapOvr>
+    <a:masterClrMapping/>
+  </p:clrMapOvr>
+</p:sld>
+</file>
+
+<file path=ppt/slides/slide6.xml><?xml version="1.0" encoding="utf-8"?>
+<p:sld xmlns:a="http://schemas.openxmlformats.org/drawingml/2006/main" xmlns:r="http://schemas.openxmlformats.org/officeDocument/2006/relationships" xmlns:p="http://schemas.openxmlformats.org/presentationml/2006/main">
+  <p:cSld>
+    <p:spTree>
+      <p:nvGrpSpPr>
+        <p:cNvPr id="1" name=""/>
+        <p:cNvGrpSpPr/>
+        <p:nvPr/>
+      </p:nvGrpSpPr>
+      <p:grpSpPr>
+        <a:xfrm>
+          <a:off x="0" y="0"/>
+          <a:ext cx="0" cy="0"/>
+          <a:chOff x="0" y="0"/>
+          <a:chExt cx="0" cy="0"/>
+        </a:xfrm>
+      </p:grpSpPr>
+      <p:sp>
+        <p:nvSpPr>
+          <p:cNvPr id="2" name="Titre 1"/>
+          <p:cNvSpPr>
+            <a:spLocks noGrp="1"/>
+          </p:cNvSpPr>
+          <p:nvPr>
+            <p:ph type="ctrTitle"/>
+          </p:nvPr>
+        </p:nvSpPr>
+        <p:spPr/>
+        <p:txBody>
+          <a:bodyPr/>
+          <a:lstStyle/>
+          <a:p>
+            <a:endParaRPr lang="fr-FR"/>
+          </a:p>
+        </p:txBody>
+      </p:sp>
+      <p:sp>
+        <p:nvSpPr>
+          <p:cNvPr id="3" name="Sous-titre 2"/>
+          <p:cNvSpPr>
+            <a:spLocks noGrp="1"/>
+          </p:cNvSpPr>
+          <p:nvPr>
+            <p:ph type="subTitle" idx="1"/>
+          </p:nvPr>
+        </p:nvSpPr>
+        <p:spPr/>
+        <p:txBody>
+          <a:bodyPr/>
+          <a:lstStyle/>
+          <a:p>
+            <a:endParaRPr lang="fr-FR"/>
+          </a:p>
+        </p:txBody>
+      </p:sp>
+      <p:pic>
+        <p:nvPicPr>
+          <p:cNvPr id="4" name="Image 3"/>
+          <p:cNvPicPr>
+            <a:picLocks noChangeAspect="1"/>
+          </p:cNvPicPr>
+          <p:nvPr/>
+        </p:nvPicPr>
+        <p:blipFill>
+          <a:blip r:embed="rId2">
+            <a:extLst>
+              <a:ext uri="{28A0092B-C50C-407E-A947-70E740481C1C}">
+                <a14:useLocalDpi xmlns:a14="http://schemas.microsoft.com/office/drawing/2010/main" val="0"/>
+              </a:ext>
+            </a:extLst>
+          </a:blip>
+          <a:stretch>
+            <a:fillRect/>
+          </a:stretch>
+        </p:blipFill>
+        <p:spPr>
+          <a:xfrm>
+            <a:off x="0" y="-770568"/>
+            <a:ext cx="12286268" cy="8203604"/>
+          </a:xfrm>
+          <a:prstGeom prst="rect">
+            <a:avLst/>
+          </a:prstGeom>
+        </p:spPr>
+      </p:pic>
+      <p:sp>
+        <p:nvSpPr>
           <p:cNvPr id="7" name="Rectangle 6"/>
           <p:cNvSpPr/>
           <p:nvPr/>
@@ -3971,7 +4231,7 @@
           <a:p>
             <a:pPr algn="ctr"/>
             <a:r>
-              <a:rPr lang="fr-FR" sz="3600" dirty="0" smtClean="0">
+              <a:rPr lang="fr-FR" sz="3600" dirty="0">
                 <a:solidFill>
                   <a:srgbClr val="E8EAEC"/>
                 </a:solidFill>
@@ -3989,7 +4249,7 @@
               <a:t>IV.  </a:t>
             </a:r>
             <a:r>
-              <a:rPr lang="fr-FR" sz="3600" dirty="0" err="1" smtClean="0">
+              <a:rPr lang="fr-FR" sz="3600" dirty="0" err="1">
                 <a:solidFill>
                   <a:srgbClr val="E8EAEC"/>
                 </a:solidFill>
@@ -4034,17 +4294,10 @@
   <p:clrMapOvr>
     <a:masterClrMapping/>
   </p:clrMapOvr>
-  <p:timing>
-    <p:tnLst>
-      <p:par>
-        <p:cTn id="1" dur="indefinite" restart="never" nodeType="tmRoot"/>
-      </p:par>
-    </p:tnLst>
-  </p:timing>
 </p:sld>
 </file>
 
-<file path=ppt/slides/slide6.xml><?xml version="1.0" encoding="utf-8"?>
+<file path=ppt/slides/slide7.xml><?xml version="1.0" encoding="utf-8"?>
 <p:sld xmlns:a="http://schemas.openxmlformats.org/drawingml/2006/main" xmlns:r="http://schemas.openxmlformats.org/officeDocument/2006/relationships" xmlns:p="http://schemas.openxmlformats.org/presentationml/2006/main">
   <p:cSld>
     <p:spTree>
@@ -4139,17 +4392,10 @@
   <p:clrMapOvr>
     <a:masterClrMapping/>
   </p:clrMapOvr>
-  <p:timing>
-    <p:tnLst>
-      <p:par>
-        <p:cTn id="1" dur="indefinite" restart="never" nodeType="tmRoot"/>
-      </p:par>
-    </p:tnLst>
-  </p:timing>
 </p:sld>
 </file>
 
-<file path=ppt/slides/slide7.xml><?xml version="1.0" encoding="utf-8"?>
+<file path=ppt/slides/slide8.xml><?xml version="1.0" encoding="utf-8"?>
 <p:sld xmlns:a="http://schemas.openxmlformats.org/drawingml/2006/main" xmlns:r="http://schemas.openxmlformats.org/officeDocument/2006/relationships" xmlns:p="http://schemas.openxmlformats.org/presentationml/2006/main">
   <p:cSld>
     <p:spTree>
@@ -4244,17 +4490,10 @@
   <p:clrMapOvr>
     <a:masterClrMapping/>
   </p:clrMapOvr>
-  <p:timing>
-    <p:tnLst>
-      <p:par>
-        <p:cTn id="1" dur="indefinite" restart="never" nodeType="tmRoot"/>
-      </p:par>
-    </p:tnLst>
-  </p:timing>
 </p:sld>
 </file>
 
-<file path=ppt/slides/slide8.xml><?xml version="1.0" encoding="utf-8"?>
+<file path=ppt/slides/slide9.xml><?xml version="1.0" encoding="utf-8"?>
 <p:sld xmlns:a="http://schemas.openxmlformats.org/drawingml/2006/main" xmlns:r="http://schemas.openxmlformats.org/officeDocument/2006/relationships" xmlns:p="http://schemas.openxmlformats.org/presentationml/2006/main">
   <p:cSld>
     <p:spTree>
@@ -4349,214 +4588,6 @@
   <p:clrMapOvr>
     <a:masterClrMapping/>
   </p:clrMapOvr>
-  <p:timing>
-    <p:tnLst>
-      <p:par>
-        <p:cTn id="1" dur="indefinite" restart="never" nodeType="tmRoot"/>
-      </p:par>
-    </p:tnLst>
-  </p:timing>
-</p:sld>
-</file>
-
-<file path=ppt/slides/slide9.xml><?xml version="1.0" encoding="utf-8"?>
-<p:sld xmlns:a="http://schemas.openxmlformats.org/drawingml/2006/main" xmlns:r="http://schemas.openxmlformats.org/officeDocument/2006/relationships" xmlns:p="http://schemas.openxmlformats.org/presentationml/2006/main" show="0">
-  <p:cSld>
-    <p:spTree>
-      <p:nvGrpSpPr>
-        <p:cNvPr id="1" name=""/>
-        <p:cNvGrpSpPr/>
-        <p:nvPr/>
-      </p:nvGrpSpPr>
-      <p:grpSpPr>
-        <a:xfrm>
-          <a:off x="0" y="0"/>
-          <a:ext cx="0" cy="0"/>
-          <a:chOff x="0" y="0"/>
-          <a:chExt cx="0" cy="0"/>
-        </a:xfrm>
-      </p:grpSpPr>
-      <p:sp>
-        <p:nvSpPr>
-          <p:cNvPr id="2" name="Titre 1"/>
-          <p:cNvSpPr>
-            <a:spLocks noGrp="1"/>
-          </p:cNvSpPr>
-          <p:nvPr>
-            <p:ph type="ctrTitle"/>
-          </p:nvPr>
-        </p:nvSpPr>
-        <p:spPr/>
-        <p:txBody>
-          <a:bodyPr/>
-          <a:lstStyle/>
-          <a:p>
-            <a:endParaRPr lang="fr-FR"/>
-          </a:p>
-        </p:txBody>
-      </p:sp>
-      <p:sp>
-        <p:nvSpPr>
-          <p:cNvPr id="3" name="Sous-titre 2"/>
-          <p:cNvSpPr>
-            <a:spLocks noGrp="1"/>
-          </p:cNvSpPr>
-          <p:nvPr>
-            <p:ph type="subTitle" idx="1"/>
-          </p:nvPr>
-        </p:nvSpPr>
-        <p:spPr/>
-        <p:txBody>
-          <a:bodyPr/>
-          <a:lstStyle/>
-          <a:p>
-            <a:endParaRPr lang="fr-FR"/>
-          </a:p>
-        </p:txBody>
-      </p:sp>
-      <p:pic>
-        <p:nvPicPr>
-          <p:cNvPr id="4" name="Image 3"/>
-          <p:cNvPicPr>
-            <a:picLocks noChangeAspect="1"/>
-          </p:cNvPicPr>
-          <p:nvPr/>
-        </p:nvPicPr>
-        <p:blipFill>
-          <a:blip r:embed="rId2">
-            <a:extLst>
-              <a:ext uri="{28A0092B-C50C-407E-A947-70E740481C1C}">
-                <a14:useLocalDpi xmlns:a14="http://schemas.microsoft.com/office/drawing/2010/main" val="0"/>
-              </a:ext>
-            </a:extLst>
-          </a:blip>
-          <a:stretch>
-            <a:fillRect/>
-          </a:stretch>
-        </p:blipFill>
-        <p:spPr>
-          <a:xfrm>
-            <a:off x="0" y="-770568"/>
-            <a:ext cx="12286268" cy="8203604"/>
-          </a:xfrm>
-          <a:prstGeom prst="rect">
-            <a:avLst/>
-          </a:prstGeom>
-        </p:spPr>
-      </p:pic>
-      <p:sp>
-        <p:nvSpPr>
-          <p:cNvPr id="5" name="Rectangle 4"/>
-          <p:cNvSpPr/>
-          <p:nvPr/>
-        </p:nvSpPr>
-        <p:spPr>
-          <a:xfrm>
-            <a:off x="0" y="-770568"/>
-            <a:ext cx="12286268" cy="8203603"/>
-          </a:xfrm>
-          <a:prstGeom prst="rect">
-            <a:avLst/>
-          </a:prstGeom>
-          <a:solidFill>
-            <a:srgbClr val="FDFFEE">
-              <a:alpha val="14902"/>
-            </a:srgbClr>
-          </a:solidFill>
-        </p:spPr>
-        <p:style>
-          <a:lnRef idx="2">
-            <a:schemeClr val="accent1">
-              <a:shade val="50000"/>
-            </a:schemeClr>
-          </a:lnRef>
-          <a:fillRef idx="1">
-            <a:schemeClr val="accent1"/>
-          </a:fillRef>
-          <a:effectRef idx="0">
-            <a:schemeClr val="accent1"/>
-          </a:effectRef>
-          <a:fontRef idx="minor">
-            <a:schemeClr val="lt1"/>
-          </a:fontRef>
-        </p:style>
-        <p:txBody>
-          <a:bodyPr rtlCol="0" anchor="ctr"/>
-          <a:lstStyle/>
-          <a:p>
-            <a:pPr algn="ctr"/>
-            <a:endParaRPr lang="fr-FR"/>
-          </a:p>
-        </p:txBody>
-      </p:sp>
-      <p:sp>
-        <p:nvSpPr>
-          <p:cNvPr id="8" name="Rectangle 7"/>
-          <p:cNvSpPr/>
-          <p:nvPr/>
-        </p:nvSpPr>
-        <p:spPr>
-          <a:xfrm>
-            <a:off x="0" y="516790"/>
-            <a:ext cx="12286268" cy="2400657"/>
-          </a:xfrm>
-          <a:prstGeom prst="rect">
-            <a:avLst/>
-          </a:prstGeom>
-        </p:spPr>
-        <p:txBody>
-          <a:bodyPr wrap="square">
-            <a:spAutoFit/>
-          </a:bodyPr>
-          <a:lstStyle/>
-          <a:p>
-            <a:pPr algn="ctr"/>
-            <a:r>
-              <a:rPr lang="fr-FR" sz="15000" dirty="0">
-                <a:solidFill>
-                  <a:schemeClr val="bg1"/>
-                </a:solidFill>
-                <a:effectLst>
-                  <a:outerShdw blurRad="50800" dist="76200" dir="2700000" algn="tl" rotWithShape="0">
-                    <a:prstClr val="black">
-                      <a:alpha val="40000"/>
-                    </a:prstClr>
-                  </a:outerShdw>
-                </a:effectLst>
-                <a:latin typeface="ArcadeClassic" charset="0"/>
-                <a:ea typeface="ArcadeClassic" charset="0"/>
-                <a:cs typeface="ArcadeClassic" charset="0"/>
-              </a:rPr>
-              <a:t>P o r ta k</a:t>
-            </a:r>
-          </a:p>
-        </p:txBody>
-      </p:sp>
-    </p:spTree>
-    <p:extLst>
-      <p:ext uri="{BB962C8B-B14F-4D97-AF65-F5344CB8AC3E}">
-        <p14:creationId xmlns:p14="http://schemas.microsoft.com/office/powerpoint/2010/main" val="2022397663"/>
-      </p:ext>
-    </p:extLst>
-  </p:cSld>
-  <p:clrMapOvr>
-    <a:masterClrMapping/>
-  </p:clrMapOvr>
-  <mc:AlternateContent xmlns:mc="http://schemas.openxmlformats.org/markup-compatibility/2006">
-    <mc:Choice xmlns:p14="http://schemas.microsoft.com/office/powerpoint/2010/main" Requires="p14">
-      <p:transition spd="slow" p14:dur="2000"/>
-    </mc:Choice>
-    <mc:Fallback>
-      <p:transition spd="slow"/>
-    </mc:Fallback>
-  </mc:AlternateContent>
-  <p:timing>
-    <p:tnLst>
-      <p:par>
-        <p:cTn id="1" dur="indefinite" restart="never" nodeType="tmRoot"/>
-      </p:par>
-    </p:tnLst>
-  </p:timing>
 </p:sld>
 </file>
 

--- a/Portak.pptx
+++ b/Portak.pptx
@@ -8,13 +8,8 @@
     <p:sldId id="256" r:id="rId2"/>
     <p:sldId id="265" r:id="rId3"/>
     <p:sldId id="258" r:id="rId4"/>
-    <p:sldId id="259" r:id="rId5"/>
-    <p:sldId id="260" r:id="rId6"/>
-    <p:sldId id="264" r:id="rId7"/>
-    <p:sldId id="261" r:id="rId8"/>
-    <p:sldId id="262" r:id="rId9"/>
-    <p:sldId id="263" r:id="rId10"/>
-    <p:sldId id="257" r:id="rId11"/>
+    <p:sldId id="266" r:id="rId5"/>
+    <p:sldId id="264" r:id="rId6"/>
   </p:sldIdLst>
   <p:sldSz cx="12192000" cy="6858000"/>
   <p:notesSz cx="6858000" cy="9144000"/>
@@ -3213,8 +3208,8 @@
 </p:sld>
 </file>
 
-<file path=ppt/slides/slide10.xml><?xml version="1.0" encoding="utf-8"?>
-<p:sld xmlns:a="http://schemas.openxmlformats.org/drawingml/2006/main" xmlns:r="http://schemas.openxmlformats.org/officeDocument/2006/relationships" xmlns:p="http://schemas.openxmlformats.org/presentationml/2006/main" show="0">
+<file path=ppt/slides/slide2.xml><?xml version="1.0" encoding="utf-8"?>
+<p:sld xmlns:a="http://schemas.openxmlformats.org/drawingml/2006/main" xmlns:r="http://schemas.openxmlformats.org/officeDocument/2006/relationships" xmlns:p="http://schemas.openxmlformats.org/presentationml/2006/main">
   <p:cSld>
     <p:spTree>
       <p:nvGrpSpPr>
@@ -3306,198 +3301,12 @@
         </p:nvSpPr>
         <p:spPr>
           <a:xfrm>
-            <a:off x="0" y="-770568"/>
-            <a:ext cx="12286268" cy="8203603"/>
+            <a:off x="2185740" y="-170041"/>
+            <a:ext cx="7253910" cy="1200329"/>
           </a:xfrm>
           <a:prstGeom prst="rect">
             <a:avLst/>
           </a:prstGeom>
-          <a:solidFill>
-            <a:srgbClr val="FDFFEE">
-              <a:alpha val="14902"/>
-            </a:srgbClr>
-          </a:solidFill>
-        </p:spPr>
-        <p:style>
-          <a:lnRef idx="2">
-            <a:schemeClr val="accent1">
-              <a:shade val="50000"/>
-            </a:schemeClr>
-          </a:lnRef>
-          <a:fillRef idx="1">
-            <a:schemeClr val="accent1"/>
-          </a:fillRef>
-          <a:effectRef idx="0">
-            <a:schemeClr val="accent1"/>
-          </a:effectRef>
-          <a:fontRef idx="minor">
-            <a:schemeClr val="lt1"/>
-          </a:fontRef>
-        </p:style>
-        <p:txBody>
-          <a:bodyPr rtlCol="0" anchor="ctr"/>
-          <a:lstStyle/>
-          <a:p>
-            <a:pPr algn="ctr"/>
-            <a:endParaRPr lang="fr-FR"/>
-          </a:p>
-        </p:txBody>
-      </p:sp>
-      <p:sp>
-        <p:nvSpPr>
-          <p:cNvPr id="8" name="Rectangle 7"/>
-          <p:cNvSpPr/>
-          <p:nvPr/>
-        </p:nvSpPr>
-        <p:spPr>
-          <a:xfrm>
-            <a:off x="0" y="516790"/>
-            <a:ext cx="12286268" cy="2400657"/>
-          </a:xfrm>
-          <a:prstGeom prst="rect">
-            <a:avLst/>
-          </a:prstGeom>
-        </p:spPr>
-        <p:txBody>
-          <a:bodyPr wrap="square">
-            <a:spAutoFit/>
-          </a:bodyPr>
-          <a:lstStyle/>
-          <a:p>
-            <a:pPr algn="ctr"/>
-            <a:r>
-              <a:rPr lang="fr-FR" sz="15000" dirty="0">
-                <a:solidFill>
-                  <a:schemeClr val="bg1"/>
-                </a:solidFill>
-                <a:effectLst>
-                  <a:outerShdw blurRad="50800" dist="76200" dir="2700000" algn="tl" rotWithShape="0">
-                    <a:prstClr val="black">
-                      <a:alpha val="40000"/>
-                    </a:prstClr>
-                  </a:outerShdw>
-                </a:effectLst>
-                <a:latin typeface="ArcadeClassic" charset="0"/>
-                <a:ea typeface="ArcadeClassic" charset="0"/>
-                <a:cs typeface="ArcadeClassic" charset="0"/>
-              </a:rPr>
-              <a:t>P o r ta k</a:t>
-            </a:r>
-          </a:p>
-        </p:txBody>
-      </p:sp>
-    </p:spTree>
-    <p:extLst>
-      <p:ext uri="{BB962C8B-B14F-4D97-AF65-F5344CB8AC3E}">
-        <p14:creationId xmlns:p14="http://schemas.microsoft.com/office/powerpoint/2010/main" val="2022397663"/>
-      </p:ext>
-    </p:extLst>
-  </p:cSld>
-  <p:clrMapOvr>
-    <a:masterClrMapping/>
-  </p:clrMapOvr>
-</p:sld>
-</file>
-
-<file path=ppt/slides/slide2.xml><?xml version="1.0" encoding="utf-8"?>
-<p:sld xmlns:a="http://schemas.openxmlformats.org/drawingml/2006/main" xmlns:r="http://schemas.openxmlformats.org/officeDocument/2006/relationships" xmlns:p="http://schemas.openxmlformats.org/presentationml/2006/main">
-  <p:cSld>
-    <p:spTree>
-      <p:nvGrpSpPr>
-        <p:cNvPr id="1" name=""/>
-        <p:cNvGrpSpPr/>
-        <p:nvPr/>
-      </p:nvGrpSpPr>
-      <p:grpSpPr>
-        <a:xfrm>
-          <a:off x="0" y="0"/>
-          <a:ext cx="0" cy="0"/>
-          <a:chOff x="0" y="0"/>
-          <a:chExt cx="0" cy="0"/>
-        </a:xfrm>
-      </p:grpSpPr>
-      <p:sp>
-        <p:nvSpPr>
-          <p:cNvPr id="2" name="Titre 1"/>
-          <p:cNvSpPr>
-            <a:spLocks noGrp="1"/>
-          </p:cNvSpPr>
-          <p:nvPr>
-            <p:ph type="ctrTitle"/>
-          </p:nvPr>
-        </p:nvSpPr>
-        <p:spPr/>
-        <p:txBody>
-          <a:bodyPr/>
-          <a:lstStyle/>
-          <a:p>
-            <a:endParaRPr lang="fr-FR"/>
-          </a:p>
-        </p:txBody>
-      </p:sp>
-      <p:sp>
-        <p:nvSpPr>
-          <p:cNvPr id="3" name="Sous-titre 2"/>
-          <p:cNvSpPr>
-            <a:spLocks noGrp="1"/>
-          </p:cNvSpPr>
-          <p:nvPr>
-            <p:ph type="subTitle" idx="1"/>
-          </p:nvPr>
-        </p:nvSpPr>
-        <p:spPr/>
-        <p:txBody>
-          <a:bodyPr/>
-          <a:lstStyle/>
-          <a:p>
-            <a:endParaRPr lang="fr-FR"/>
-          </a:p>
-        </p:txBody>
-      </p:sp>
-      <p:pic>
-        <p:nvPicPr>
-          <p:cNvPr id="4" name="Image 3"/>
-          <p:cNvPicPr>
-            <a:picLocks noChangeAspect="1"/>
-          </p:cNvPicPr>
-          <p:nvPr/>
-        </p:nvPicPr>
-        <p:blipFill>
-          <a:blip r:embed="rId2">
-            <a:extLst>
-              <a:ext uri="{28A0092B-C50C-407E-A947-70E740481C1C}">
-                <a14:useLocalDpi xmlns:a14="http://schemas.microsoft.com/office/drawing/2010/main" val="0"/>
-              </a:ext>
-            </a:extLst>
-          </a:blip>
-          <a:stretch>
-            <a:fillRect/>
-          </a:stretch>
-        </p:blipFill>
-        <p:spPr>
-          <a:xfrm>
-            <a:off x="0" y="-770568"/>
-            <a:ext cx="12286268" cy="8203604"/>
-          </a:xfrm>
-          <a:prstGeom prst="rect">
-            <a:avLst/>
-          </a:prstGeom>
-        </p:spPr>
-      </p:pic>
-      <p:sp>
-        <p:nvSpPr>
-          <p:cNvPr id="5" name="Rectangle 4"/>
-          <p:cNvSpPr/>
-          <p:nvPr/>
-        </p:nvSpPr>
-        <p:spPr>
-          <a:xfrm>
-            <a:off x="3922327" y="276739"/>
-            <a:ext cx="3712876" cy="646331"/>
-          </a:xfrm>
-          <a:prstGeom prst="rect">
-            <a:avLst/>
-          </a:prstGeom>
         </p:spPr>
         <p:txBody>
           <a:bodyPr wrap="none">
@@ -3507,7 +3316,7 @@
           <a:p>
             <a:pPr algn="ctr"/>
             <a:r>
-              <a:rPr lang="fr-FR" sz="3600" dirty="0">
+              <a:rPr lang="fr-FR" sz="7200" dirty="0">
                 <a:solidFill>
                   <a:srgbClr val="E8EAEC"/>
                 </a:solidFill>
@@ -3525,7 +3334,7 @@
               <a:t>I.  </a:t>
             </a:r>
             <a:r>
-              <a:rPr lang="fr-FR" sz="3600" dirty="0" err="1">
+              <a:rPr lang="fr-FR" sz="7200" dirty="0" err="1">
                 <a:solidFill>
                   <a:srgbClr val="E8EAEC"/>
                 </a:solidFill>
@@ -3542,7 +3351,7 @@
               </a:rPr>
               <a:t>Presentation</a:t>
             </a:r>
-            <a:endParaRPr lang="fr-FR" sz="3600" dirty="0">
+            <a:endParaRPr lang="fr-FR" sz="7200" dirty="0">
               <a:solidFill>
                 <a:srgbClr val="E8EAEC"/>
               </a:solidFill>
@@ -3560,6 +3369,196 @@
           </a:p>
         </p:txBody>
       </p:sp>
+      <p:pic>
+        <p:nvPicPr>
+          <p:cNvPr id="7" name="Image 6">
+            <a:extLst>
+              <a:ext uri="{FF2B5EF4-FFF2-40B4-BE49-F238E27FC236}">
+                <a16:creationId xmlns:a16="http://schemas.microsoft.com/office/drawing/2014/main" id="{1D0C5E8E-64D7-494D-B5FA-6DE57E681E23}"/>
+              </a:ext>
+            </a:extLst>
+          </p:cNvPr>
+          <p:cNvPicPr>
+            <a:picLocks noChangeAspect="1"/>
+          </p:cNvPicPr>
+          <p:nvPr/>
+        </p:nvPicPr>
+        <p:blipFill>
+          <a:blip r:embed="rId3"/>
+          <a:stretch>
+            <a:fillRect/>
+          </a:stretch>
+        </p:blipFill>
+        <p:spPr>
+          <a:xfrm>
+            <a:off x="1127221" y="4490568"/>
+            <a:ext cx="2117040" cy="2117040"/>
+          </a:xfrm>
+          <a:prstGeom prst="rect">
+            <a:avLst/>
+          </a:prstGeom>
+          <a:ln>
+            <a:noFill/>
+          </a:ln>
+          <a:effectLst>
+            <a:outerShdw blurRad="292100" dist="139700" dir="2700000" algn="tl" rotWithShape="0">
+              <a:srgbClr val="333333">
+                <a:alpha val="65000"/>
+              </a:srgbClr>
+            </a:outerShdw>
+          </a:effectLst>
+        </p:spPr>
+      </p:pic>
+      <p:pic>
+        <p:nvPicPr>
+          <p:cNvPr id="11" name="Image 10">
+            <a:extLst>
+              <a:ext uri="{FF2B5EF4-FFF2-40B4-BE49-F238E27FC236}">
+                <a16:creationId xmlns:a16="http://schemas.microsoft.com/office/drawing/2014/main" id="{05AE4CDD-1252-4E8F-A70F-E658C5DE8DB0}"/>
+              </a:ext>
+            </a:extLst>
+          </p:cNvPr>
+          <p:cNvPicPr>
+            <a:picLocks noChangeAspect="1"/>
+          </p:cNvPicPr>
+          <p:nvPr/>
+        </p:nvPicPr>
+        <p:blipFill>
+          <a:blip r:embed="rId4"/>
+          <a:stretch>
+            <a:fillRect/>
+          </a:stretch>
+        </p:blipFill>
+        <p:spPr>
+          <a:xfrm>
+            <a:off x="1280256" y="1747373"/>
+            <a:ext cx="1810969" cy="1961883"/>
+          </a:xfrm>
+          <a:prstGeom prst="rect">
+            <a:avLst/>
+          </a:prstGeom>
+        </p:spPr>
+      </p:pic>
+      <p:pic>
+        <p:nvPicPr>
+          <p:cNvPr id="13" name="Image 12">
+            <a:extLst>
+              <a:ext uri="{FF2B5EF4-FFF2-40B4-BE49-F238E27FC236}">
+                <a16:creationId xmlns:a16="http://schemas.microsoft.com/office/drawing/2014/main" id="{64B131F4-F18E-44AE-9C07-C5C9B32A2E8B}"/>
+              </a:ext>
+            </a:extLst>
+          </p:cNvPr>
+          <p:cNvPicPr>
+            <a:picLocks noChangeAspect="1"/>
+          </p:cNvPicPr>
+          <p:nvPr/>
+        </p:nvPicPr>
+        <p:blipFill>
+          <a:blip r:embed="rId5"/>
+          <a:stretch>
+            <a:fillRect/>
+          </a:stretch>
+        </p:blipFill>
+        <p:spPr>
+          <a:xfrm>
+            <a:off x="9104113" y="1747373"/>
+            <a:ext cx="1807631" cy="1958267"/>
+          </a:xfrm>
+          <a:prstGeom prst="rect">
+            <a:avLst/>
+          </a:prstGeom>
+        </p:spPr>
+      </p:pic>
+      <p:pic>
+        <p:nvPicPr>
+          <p:cNvPr id="15" name="Image 14">
+            <a:extLst>
+              <a:ext uri="{FF2B5EF4-FFF2-40B4-BE49-F238E27FC236}">
+                <a16:creationId xmlns:a16="http://schemas.microsoft.com/office/drawing/2014/main" id="{8CE18468-819B-4507-A8AD-A1262257A910}"/>
+              </a:ext>
+            </a:extLst>
+          </p:cNvPr>
+          <p:cNvPicPr>
+            <a:picLocks noChangeAspect="1"/>
+          </p:cNvPicPr>
+          <p:nvPr/>
+        </p:nvPicPr>
+        <p:blipFill>
+          <a:blip r:embed="rId6"/>
+          <a:stretch>
+            <a:fillRect/>
+          </a:stretch>
+        </p:blipFill>
+        <p:spPr>
+          <a:xfrm>
+            <a:off x="5175538" y="1747373"/>
+            <a:ext cx="1840923" cy="1994334"/>
+          </a:xfrm>
+          <a:prstGeom prst="rect">
+            <a:avLst/>
+          </a:prstGeom>
+        </p:spPr>
+      </p:pic>
+      <p:pic>
+        <p:nvPicPr>
+          <p:cNvPr id="17" name="Image 16">
+            <a:extLst>
+              <a:ext uri="{FF2B5EF4-FFF2-40B4-BE49-F238E27FC236}">
+                <a16:creationId xmlns:a16="http://schemas.microsoft.com/office/drawing/2014/main" id="{17DF9E37-4C42-46BA-9A7F-1F887B9414D5}"/>
+              </a:ext>
+            </a:extLst>
+          </p:cNvPr>
+          <p:cNvPicPr>
+            <a:picLocks noChangeAspect="1"/>
+          </p:cNvPicPr>
+          <p:nvPr/>
+        </p:nvPicPr>
+        <p:blipFill>
+          <a:blip r:embed="rId7"/>
+          <a:stretch>
+            <a:fillRect/>
+          </a:stretch>
+        </p:blipFill>
+        <p:spPr>
+          <a:xfrm>
+            <a:off x="4768261" y="3999501"/>
+            <a:ext cx="2516598" cy="2516598"/>
+          </a:xfrm>
+          <a:prstGeom prst="rect">
+            <a:avLst/>
+          </a:prstGeom>
+        </p:spPr>
+      </p:pic>
+      <p:pic>
+        <p:nvPicPr>
+          <p:cNvPr id="19" name="Image 18">
+            <a:extLst>
+              <a:ext uri="{FF2B5EF4-FFF2-40B4-BE49-F238E27FC236}">
+                <a16:creationId xmlns:a16="http://schemas.microsoft.com/office/drawing/2014/main" id="{EAE76444-7A85-40E6-B5FA-F315899EAF63}"/>
+              </a:ext>
+            </a:extLst>
+          </p:cNvPr>
+          <p:cNvPicPr>
+            <a:picLocks noChangeAspect="1"/>
+          </p:cNvPicPr>
+          <p:nvPr/>
+        </p:nvPicPr>
+        <p:blipFill>
+          <a:blip r:embed="rId8"/>
+          <a:stretch>
+            <a:fillRect/>
+          </a:stretch>
+        </p:blipFill>
+        <p:spPr>
+          <a:xfrm>
+            <a:off x="9028561" y="4672552"/>
+            <a:ext cx="1935056" cy="1935056"/>
+          </a:xfrm>
+          <a:prstGeom prst="rect">
+            <a:avLst/>
+          </a:prstGeom>
+        </p:spPr>
+      </p:pic>
     </p:spTree>
     <p:extLst>
       <p:ext uri="{BB962C8B-B14F-4D97-AF65-F5344CB8AC3E}">
@@ -3658,82 +3657,6 @@
           </a:prstGeom>
         </p:spPr>
       </p:pic>
-      <p:sp>
-        <p:nvSpPr>
-          <p:cNvPr id="5" name="Rectangle 4"/>
-          <p:cNvSpPr/>
-          <p:nvPr/>
-        </p:nvSpPr>
-        <p:spPr>
-          <a:xfrm>
-            <a:off x="3922327" y="276739"/>
-            <a:ext cx="3712876" cy="646331"/>
-          </a:xfrm>
-          <a:prstGeom prst="rect">
-            <a:avLst/>
-          </a:prstGeom>
-        </p:spPr>
-        <p:txBody>
-          <a:bodyPr wrap="none">
-            <a:spAutoFit/>
-          </a:bodyPr>
-          <a:lstStyle/>
-          <a:p>
-            <a:pPr algn="ctr"/>
-            <a:r>
-              <a:rPr lang="fr-FR" sz="3600" dirty="0">
-                <a:solidFill>
-                  <a:srgbClr val="E8EAEC"/>
-                </a:solidFill>
-                <a:effectLst>
-                  <a:outerShdw blurRad="50800" dist="76200" dir="2700000" algn="tl" rotWithShape="0">
-                    <a:prstClr val="black">
-                      <a:alpha val="40000"/>
-                    </a:prstClr>
-                  </a:outerShdw>
-                </a:effectLst>
-                <a:latin typeface="ArcadeClassic" charset="0"/>
-                <a:ea typeface="ArcadeClassic" charset="0"/>
-                <a:cs typeface="ArcadeClassic" charset="0"/>
-              </a:rPr>
-              <a:t>I.  </a:t>
-            </a:r>
-            <a:r>
-              <a:rPr lang="fr-FR" sz="3600" dirty="0" err="1">
-                <a:solidFill>
-                  <a:srgbClr val="E8EAEC"/>
-                </a:solidFill>
-                <a:effectLst>
-                  <a:outerShdw blurRad="50800" dist="76200" dir="2700000" algn="tl" rotWithShape="0">
-                    <a:prstClr val="black">
-                      <a:alpha val="40000"/>
-                    </a:prstClr>
-                  </a:outerShdw>
-                </a:effectLst>
-                <a:latin typeface="ArcadeClassic" charset="0"/>
-                <a:ea typeface="ArcadeClassic" charset="0"/>
-                <a:cs typeface="ArcadeClassic" charset="0"/>
-              </a:rPr>
-              <a:t>Presentation</a:t>
-            </a:r>
-            <a:endParaRPr lang="fr-FR" sz="3600" dirty="0">
-              <a:solidFill>
-                <a:srgbClr val="E8EAEC"/>
-              </a:solidFill>
-              <a:effectLst>
-                <a:outerShdw blurRad="50800" dist="76200" dir="2700000" algn="tl" rotWithShape="0">
-                  <a:prstClr val="black">
-                    <a:alpha val="40000"/>
-                  </a:prstClr>
-                </a:outerShdw>
-              </a:effectLst>
-              <a:latin typeface="ArcadeClassic" charset="0"/>
-              <a:ea typeface="ArcadeClassic" charset="0"/>
-              <a:cs typeface="ArcadeClassic" charset="0"/>
-            </a:endParaRPr>
-          </a:p>
-        </p:txBody>
-      </p:sp>
       <p:pic>
         <p:nvPicPr>
           <p:cNvPr id="1026" name="Picture 2" descr="https://cdn.discordapp.com/attachments/389887163824865302/445284537774243851/unknown.png">
@@ -3763,8 +3686,8 @@
         </p:blipFill>
         <p:spPr bwMode="auto">
           <a:xfrm>
-            <a:off x="2338893" y="1268737"/>
-            <a:ext cx="6879744" cy="4574527"/>
+            <a:off x="112395" y="1741622"/>
+            <a:ext cx="5918345" cy="3935267"/>
           </a:xfrm>
           <a:prstGeom prst="rect">
             <a:avLst/>
@@ -3792,6 +3715,113 @@
           </a:extLst>
         </p:spPr>
       </p:pic>
+      <p:pic>
+        <p:nvPicPr>
+          <p:cNvPr id="6" name="Picture 2" descr="https://media.discordapp.net/attachments/389887163824865302/445299827002310676/Capture_decran_2018-05-13_a_21.02.07.png?width=749&amp;height=499">
+            <a:extLst>
+              <a:ext uri="{FF2B5EF4-FFF2-40B4-BE49-F238E27FC236}">
+                <a16:creationId xmlns:a16="http://schemas.microsoft.com/office/drawing/2014/main" id="{52FD5615-4A30-4EAC-AE73-75968768ABDC}"/>
+              </a:ext>
+            </a:extLst>
+          </p:cNvPr>
+          <p:cNvPicPr>
+            <a:picLocks noChangeAspect="1" noChangeArrowheads="1"/>
+          </p:cNvPicPr>
+          <p:nvPr/>
+        </p:nvPicPr>
+        <p:blipFill>
+          <a:blip r:embed="rId4">
+            <a:extLst>
+              <a:ext uri="{28A0092B-C50C-407E-A947-70E740481C1C}">
+                <a14:useLocalDpi xmlns:a14="http://schemas.microsoft.com/office/drawing/2010/main" val="0"/>
+              </a:ext>
+            </a:extLst>
+          </a:blip>
+          <a:srcRect/>
+          <a:stretch>
+            <a:fillRect/>
+          </a:stretch>
+        </p:blipFill>
+        <p:spPr bwMode="auto">
+          <a:xfrm>
+            <a:off x="6205082" y="1741621"/>
+            <a:ext cx="5906843" cy="3935267"/>
+          </a:xfrm>
+          <a:prstGeom prst="rect">
+            <a:avLst/>
+          </a:prstGeom>
+          <a:ln w="19050">
+            <a:solidFill>
+              <a:schemeClr val="bg1"/>
+            </a:solidFill>
+          </a:ln>
+          <a:effectLst>
+            <a:outerShdw blurRad="292100" dist="139700" dir="2700000" algn="tl" rotWithShape="0">
+              <a:srgbClr val="333333">
+                <a:alpha val="65000"/>
+              </a:srgbClr>
+            </a:outerShdw>
+          </a:effectLst>
+          <a:extLst>
+            <a:ext uri="{909E8E84-426E-40DD-AFC4-6F175D3DCCD1}">
+              <a14:hiddenFill xmlns:a14="http://schemas.microsoft.com/office/drawing/2010/main">
+                <a:solidFill>
+                  <a:srgbClr val="FFFFFF"/>
+                </a:solidFill>
+              </a14:hiddenFill>
+            </a:ext>
+          </a:extLst>
+        </p:spPr>
+      </p:pic>
+      <p:sp>
+        <p:nvSpPr>
+          <p:cNvPr id="8" name="Rectangle 7">
+            <a:extLst>
+              <a:ext uri="{FF2B5EF4-FFF2-40B4-BE49-F238E27FC236}">
+                <a16:creationId xmlns:a16="http://schemas.microsoft.com/office/drawing/2014/main" id="{4F318BA1-9154-4372-B3E3-62FDA1058B1B}"/>
+              </a:ext>
+            </a:extLst>
+          </p:cNvPr>
+          <p:cNvSpPr/>
+          <p:nvPr/>
+        </p:nvSpPr>
+        <p:spPr>
+          <a:xfrm>
+            <a:off x="2126432" y="-170041"/>
+            <a:ext cx="7372531" cy="1200329"/>
+          </a:xfrm>
+          <a:prstGeom prst="rect">
+            <a:avLst/>
+          </a:prstGeom>
+        </p:spPr>
+        <p:txBody>
+          <a:bodyPr wrap="none">
+            <a:spAutoFit/>
+          </a:bodyPr>
+          <a:lstStyle/>
+          <a:p>
+            <a:pPr algn="ctr"/>
+            <a:r>
+              <a:rPr lang="fr-FR" sz="7200" dirty="0">
+                <a:solidFill>
+                  <a:srgbClr val="E8EAEC"/>
+                </a:solidFill>
+                <a:effectLst>
+                  <a:outerShdw blurRad="50800" dist="76200" dir="2700000" algn="tl" rotWithShape="0">
+                    <a:prstClr val="black">
+                      <a:alpha val="40000"/>
+                    </a:prstClr>
+                  </a:outerShdw>
+                </a:effectLst>
+                <a:latin typeface="ArcadeClassic" charset="0"/>
+                <a:ea typeface="ArcadeClassic" charset="0"/>
+                <a:cs typeface="ArcadeClassic" charset="0"/>
+              </a:rPr>
+              <a:t>II.  LEVEL DESIGN</a:t>
+            </a:r>
+          </a:p>
+        </p:txBody>
+      </p:sp>
     </p:spTree>
     <p:extLst>
       <p:ext uri="{BB962C8B-B14F-4D97-AF65-F5344CB8AC3E}">
@@ -3837,7 +3867,10 @@
           <a:bodyPr/>
           <a:lstStyle/>
           <a:p>
-            <a:endParaRPr lang="fr-FR" dirty="0"/>
+            <a:r>
+              <a:rPr lang="fr-FR" dirty="0"/>
+              <a:t>Z</a:t>
+            </a:r>
           </a:p>
         </p:txBody>
       </p:sp>
@@ -3892,14 +3925,20 @@
       </p:pic>
       <p:sp>
         <p:nvSpPr>
-          <p:cNvPr id="6" name="Rectangle 5"/>
+          <p:cNvPr id="8" name="Rectangle 7">
+            <a:extLst>
+              <a:ext uri="{FF2B5EF4-FFF2-40B4-BE49-F238E27FC236}">
+                <a16:creationId xmlns:a16="http://schemas.microsoft.com/office/drawing/2014/main" id="{4F318BA1-9154-4372-B3E3-62FDA1058B1B}"/>
+              </a:ext>
+            </a:extLst>
+          </p:cNvPr>
           <p:cNvSpPr/>
           <p:nvPr/>
         </p:nvSpPr>
         <p:spPr>
           <a:xfrm>
-            <a:off x="3542419" y="1030288"/>
-            <a:ext cx="4472699" cy="646331"/>
+            <a:off x="372752" y="-170041"/>
+            <a:ext cx="10879901" cy="1015663"/>
           </a:xfrm>
           <a:prstGeom prst="rect">
             <a:avLst/>
@@ -3913,7 +3952,7 @@
           <a:p>
             <a:pPr algn="ctr"/>
             <a:r>
-              <a:rPr lang="fr-FR" sz="3600" dirty="0">
+              <a:rPr lang="fr-FR" sz="6000" dirty="0">
                 <a:solidFill>
                   <a:srgbClr val="E8EAEC"/>
                 </a:solidFill>
@@ -3928,15 +3967,131 @@
                 <a:ea typeface="ArcadeClassic" charset="0"/>
                 <a:cs typeface="ArcadeClassic" charset="0"/>
               </a:rPr>
-              <a:t>II.  FONCTIONALITES</a:t>
-            </a:r>
-          </a:p>
-        </p:txBody>
-      </p:sp>
+              <a:t>III.  POINTS FORTS et faibles </a:t>
+            </a:r>
+          </a:p>
+        </p:txBody>
+      </p:sp>
+      <p:pic>
+        <p:nvPicPr>
+          <p:cNvPr id="2054" name="Picture 6" descr="https://cdn.discordapp.com/attachments/389887163824865302/445308854604005395/Capture_decran_2018-05-13_a_21.32.45.png">
+            <a:extLst>
+              <a:ext uri="{FF2B5EF4-FFF2-40B4-BE49-F238E27FC236}">
+                <a16:creationId xmlns:a16="http://schemas.microsoft.com/office/drawing/2014/main" id="{6A75D1AD-0163-41C6-B910-7ACB58400D2C}"/>
+              </a:ext>
+            </a:extLst>
+          </p:cNvPr>
+          <p:cNvPicPr>
+            <a:picLocks noChangeAspect="1" noChangeArrowheads="1"/>
+          </p:cNvPicPr>
+          <p:nvPr/>
+        </p:nvPicPr>
+        <p:blipFill>
+          <a:blip r:embed="rId3">
+            <a:extLst>
+              <a:ext uri="{28A0092B-C50C-407E-A947-70E740481C1C}">
+                <a14:useLocalDpi xmlns:a14="http://schemas.microsoft.com/office/drawing/2010/main" val="0"/>
+              </a:ext>
+            </a:extLst>
+          </a:blip>
+          <a:srcRect/>
+          <a:stretch>
+            <a:fillRect/>
+          </a:stretch>
+        </p:blipFill>
+        <p:spPr bwMode="auto">
+          <a:xfrm>
+            <a:off x="134705" y="1783792"/>
+            <a:ext cx="5849671" cy="3905808"/>
+          </a:xfrm>
+          <a:prstGeom prst="rect">
+            <a:avLst/>
+          </a:prstGeom>
+          <a:ln w="19050">
+            <a:solidFill>
+              <a:schemeClr val="tx1"/>
+            </a:solidFill>
+          </a:ln>
+          <a:effectLst>
+            <a:outerShdw blurRad="292100" dist="139700" dir="2700000" algn="tl" rotWithShape="0">
+              <a:srgbClr val="333333">
+                <a:alpha val="65000"/>
+              </a:srgbClr>
+            </a:outerShdw>
+          </a:effectLst>
+          <a:extLst>
+            <a:ext uri="{909E8E84-426E-40DD-AFC4-6F175D3DCCD1}">
+              <a14:hiddenFill xmlns:a14="http://schemas.microsoft.com/office/drawing/2010/main">
+                <a:solidFill>
+                  <a:srgbClr val="FFFFFF"/>
+                </a:solidFill>
+              </a14:hiddenFill>
+            </a:ext>
+          </a:extLst>
+        </p:spPr>
+      </p:pic>
+      <p:pic>
+        <p:nvPicPr>
+          <p:cNvPr id="2056" name="Picture 8" descr="https://cdn.discordapp.com/attachments/389887163824865302/445308342605316096/Capture_decran_2018-05-13_a_21.34.02.png">
+            <a:extLst>
+              <a:ext uri="{FF2B5EF4-FFF2-40B4-BE49-F238E27FC236}">
+                <a16:creationId xmlns:a16="http://schemas.microsoft.com/office/drawing/2014/main" id="{BB523672-EDE7-4C72-9673-7E7ECF8A0FB0}"/>
+              </a:ext>
+            </a:extLst>
+          </p:cNvPr>
+          <p:cNvPicPr>
+            <a:picLocks noChangeAspect="1" noChangeArrowheads="1"/>
+          </p:cNvPicPr>
+          <p:nvPr/>
+        </p:nvPicPr>
+        <p:blipFill>
+          <a:blip r:embed="rId4">
+            <a:extLst>
+              <a:ext uri="{28A0092B-C50C-407E-A947-70E740481C1C}">
+                <a14:useLocalDpi xmlns:a14="http://schemas.microsoft.com/office/drawing/2010/main" val="0"/>
+              </a:ext>
+            </a:extLst>
+          </a:blip>
+          <a:srcRect/>
+          <a:stretch>
+            <a:fillRect/>
+          </a:stretch>
+        </p:blipFill>
+        <p:spPr bwMode="auto">
+          <a:xfrm>
+            <a:off x="6232035" y="1783792"/>
+            <a:ext cx="5825260" cy="3905808"/>
+          </a:xfrm>
+          <a:prstGeom prst="rect">
+            <a:avLst/>
+          </a:prstGeom>
+          <a:ln w="19050">
+            <a:solidFill>
+              <a:schemeClr val="tx1"/>
+            </a:solidFill>
+          </a:ln>
+          <a:effectLst>
+            <a:outerShdw blurRad="292100" dist="139700" dir="2700000" algn="tl" rotWithShape="0">
+              <a:srgbClr val="333333">
+                <a:alpha val="65000"/>
+              </a:srgbClr>
+            </a:outerShdw>
+          </a:effectLst>
+          <a:extLst>
+            <a:ext uri="{909E8E84-426E-40DD-AFC4-6F175D3DCCD1}">
+              <a14:hiddenFill xmlns:a14="http://schemas.microsoft.com/office/drawing/2010/main">
+                <a:solidFill>
+                  <a:srgbClr val="FFFFFF"/>
+                </a:solidFill>
+              </a14:hiddenFill>
+            </a:ext>
+          </a:extLst>
+        </p:spPr>
+      </p:pic>
     </p:spTree>
     <p:extLst>
       <p:ext uri="{BB962C8B-B14F-4D97-AF65-F5344CB8AC3E}">
-        <p14:creationId xmlns:p14="http://schemas.microsoft.com/office/powerpoint/2010/main" val="1626927660"/>
+        <p14:creationId xmlns:p14="http://schemas.microsoft.com/office/powerpoint/2010/main" val="3726108977"/>
       </p:ext>
     </p:extLst>
   </p:cSld>
@@ -4039,8 +4194,8 @@
         </p:nvSpPr>
         <p:spPr>
           <a:xfrm>
-            <a:off x="3766042" y="1030288"/>
-            <a:ext cx="4025461" cy="646331"/>
+            <a:off x="882263" y="1096666"/>
+            <a:ext cx="10224274" cy="2862322"/>
           </a:xfrm>
           <a:prstGeom prst="rect">
             <a:avLst/>
@@ -4048,6 +4203,88 @@
         </p:spPr>
         <p:txBody>
           <a:bodyPr wrap="none">
+            <a:spAutoFit/>
+          </a:bodyPr>
+          <a:lstStyle/>
+          <a:p>
+            <a:pPr algn="ctr"/>
+            <a:r>
+              <a:rPr lang="fr-FR" sz="18000" dirty="0">
+                <a:solidFill>
+                  <a:srgbClr val="E8EAEC"/>
+                </a:solidFill>
+                <a:effectLst>
+                  <a:outerShdw blurRad="50800" dist="76200" dir="2700000" algn="tl" rotWithShape="0">
+                    <a:prstClr val="black">
+                      <a:alpha val="40000"/>
+                    </a:prstClr>
+                  </a:outerShdw>
+                </a:effectLst>
+                <a:latin typeface="ArcadeClassic" charset="0"/>
+                <a:ea typeface="ArcadeClassic" charset="0"/>
+                <a:cs typeface="ArcadeClassic" charset="0"/>
+              </a:rPr>
+              <a:t>III.  </a:t>
+            </a:r>
+            <a:r>
+              <a:rPr lang="fr-FR" sz="18000" dirty="0" err="1">
+                <a:solidFill>
+                  <a:srgbClr val="E8EAEC"/>
+                </a:solidFill>
+                <a:effectLst>
+                  <a:outerShdw blurRad="50800" dist="76200" dir="2700000" algn="tl" rotWithShape="0">
+                    <a:prstClr val="black">
+                      <a:alpha val="40000"/>
+                    </a:prstClr>
+                  </a:outerShdw>
+                </a:effectLst>
+                <a:latin typeface="ArcadeClassic" charset="0"/>
+                <a:ea typeface="ArcadeClassic" charset="0"/>
+                <a:cs typeface="ArcadeClassic" charset="0"/>
+              </a:rPr>
+              <a:t>Demo</a:t>
+            </a:r>
+            <a:endParaRPr lang="fr-FR" sz="18000" dirty="0">
+              <a:solidFill>
+                <a:srgbClr val="E8EAEC"/>
+              </a:solidFill>
+              <a:effectLst>
+                <a:outerShdw blurRad="50800" dist="76200" dir="2700000" algn="tl" rotWithShape="0">
+                  <a:prstClr val="black">
+                    <a:alpha val="40000"/>
+                  </a:prstClr>
+                </a:outerShdw>
+              </a:effectLst>
+              <a:latin typeface="ArcadeClassic" charset="0"/>
+              <a:ea typeface="ArcadeClassic" charset="0"/>
+              <a:cs typeface="ArcadeClassic" charset="0"/>
+            </a:endParaRPr>
+          </a:p>
+        </p:txBody>
+      </p:sp>
+      <p:sp>
+        <p:nvSpPr>
+          <p:cNvPr id="6" name="Rectangle 5">
+            <a:extLst>
+              <a:ext uri="{FF2B5EF4-FFF2-40B4-BE49-F238E27FC236}">
+                <a16:creationId xmlns:a16="http://schemas.microsoft.com/office/drawing/2014/main" id="{C5FA9FE6-4AAC-4DA3-A8A9-FA7DDE9A968B}"/>
+              </a:ext>
+            </a:extLst>
+          </p:cNvPr>
+          <p:cNvSpPr/>
+          <p:nvPr/>
+        </p:nvSpPr>
+        <p:spPr>
+          <a:xfrm>
+            <a:off x="1018649" y="6022252"/>
+            <a:ext cx="9951501" cy="646331"/>
+          </a:xfrm>
+          <a:prstGeom prst="rect">
+            <a:avLst/>
+          </a:prstGeom>
+        </p:spPr>
+        <p:txBody>
+          <a:bodyPr wrap="square">
             <a:spAutoFit/>
           </a:bodyPr>
           <a:lstStyle/>
@@ -4069,218 +4306,8 @@
                 <a:ea typeface="ArcadeClassic" charset="0"/>
                 <a:cs typeface="ArcadeClassic" charset="0"/>
               </a:rPr>
-              <a:t>III.  </a:t>
-            </a:r>
-            <a:r>
-              <a:rPr lang="fr-FR" sz="3600" dirty="0" err="1">
-                <a:solidFill>
-                  <a:srgbClr val="E8EAEC"/>
-                </a:solidFill>
-                <a:effectLst>
-                  <a:outerShdw blurRad="50800" dist="76200" dir="2700000" algn="tl" rotWithShape="0">
-                    <a:prstClr val="black">
-                      <a:alpha val="40000"/>
-                    </a:prstClr>
-                  </a:outerShdw>
-                </a:effectLst>
-                <a:latin typeface="ArcadeClassic" charset="0"/>
-                <a:ea typeface="ArcadeClassic" charset="0"/>
-                <a:cs typeface="ArcadeClassic" charset="0"/>
-              </a:rPr>
-              <a:t>Level</a:t>
-            </a:r>
-            <a:r>
-              <a:rPr lang="fr-FR" sz="3600" dirty="0">
-                <a:solidFill>
-                  <a:srgbClr val="E8EAEC"/>
-                </a:solidFill>
-                <a:effectLst>
-                  <a:outerShdw blurRad="50800" dist="76200" dir="2700000" algn="tl" rotWithShape="0">
-                    <a:prstClr val="black">
-                      <a:alpha val="40000"/>
-                    </a:prstClr>
-                  </a:outerShdw>
-                </a:effectLst>
-                <a:latin typeface="ArcadeClassic" charset="0"/>
-                <a:ea typeface="ArcadeClassic" charset="0"/>
-                <a:cs typeface="ArcadeClassic" charset="0"/>
-              </a:rPr>
-              <a:t> design</a:t>
-            </a:r>
-          </a:p>
-        </p:txBody>
-      </p:sp>
-    </p:spTree>
-    <p:extLst>
-      <p:ext uri="{BB962C8B-B14F-4D97-AF65-F5344CB8AC3E}">
-        <p14:creationId xmlns:p14="http://schemas.microsoft.com/office/powerpoint/2010/main" val="2011388016"/>
-      </p:ext>
-    </p:extLst>
-  </p:cSld>
-  <p:clrMapOvr>
-    <a:masterClrMapping/>
-  </p:clrMapOvr>
-</p:sld>
-</file>
-
-<file path=ppt/slides/slide6.xml><?xml version="1.0" encoding="utf-8"?>
-<p:sld xmlns:a="http://schemas.openxmlformats.org/drawingml/2006/main" xmlns:r="http://schemas.openxmlformats.org/officeDocument/2006/relationships" xmlns:p="http://schemas.openxmlformats.org/presentationml/2006/main">
-  <p:cSld>
-    <p:spTree>
-      <p:nvGrpSpPr>
-        <p:cNvPr id="1" name=""/>
-        <p:cNvGrpSpPr/>
-        <p:nvPr/>
-      </p:nvGrpSpPr>
-      <p:grpSpPr>
-        <a:xfrm>
-          <a:off x="0" y="0"/>
-          <a:ext cx="0" cy="0"/>
-          <a:chOff x="0" y="0"/>
-          <a:chExt cx="0" cy="0"/>
-        </a:xfrm>
-      </p:grpSpPr>
-      <p:sp>
-        <p:nvSpPr>
-          <p:cNvPr id="2" name="Titre 1"/>
-          <p:cNvSpPr>
-            <a:spLocks noGrp="1"/>
-          </p:cNvSpPr>
-          <p:nvPr>
-            <p:ph type="ctrTitle"/>
-          </p:nvPr>
-        </p:nvSpPr>
-        <p:spPr/>
-        <p:txBody>
-          <a:bodyPr/>
-          <a:lstStyle/>
-          <a:p>
-            <a:endParaRPr lang="fr-FR"/>
-          </a:p>
-        </p:txBody>
-      </p:sp>
-      <p:sp>
-        <p:nvSpPr>
-          <p:cNvPr id="3" name="Sous-titre 2"/>
-          <p:cNvSpPr>
-            <a:spLocks noGrp="1"/>
-          </p:cNvSpPr>
-          <p:nvPr>
-            <p:ph type="subTitle" idx="1"/>
-          </p:nvPr>
-        </p:nvSpPr>
-        <p:spPr/>
-        <p:txBody>
-          <a:bodyPr/>
-          <a:lstStyle/>
-          <a:p>
-            <a:endParaRPr lang="fr-FR"/>
-          </a:p>
-        </p:txBody>
-      </p:sp>
-      <p:pic>
-        <p:nvPicPr>
-          <p:cNvPr id="4" name="Image 3"/>
-          <p:cNvPicPr>
-            <a:picLocks noChangeAspect="1"/>
-          </p:cNvPicPr>
-          <p:nvPr/>
-        </p:nvPicPr>
-        <p:blipFill>
-          <a:blip r:embed="rId2">
-            <a:extLst>
-              <a:ext uri="{28A0092B-C50C-407E-A947-70E740481C1C}">
-                <a14:useLocalDpi xmlns:a14="http://schemas.microsoft.com/office/drawing/2010/main" val="0"/>
-              </a:ext>
-            </a:extLst>
-          </a:blip>
-          <a:stretch>
-            <a:fillRect/>
-          </a:stretch>
-        </p:blipFill>
-        <p:spPr>
-          <a:xfrm>
-            <a:off x="0" y="-770568"/>
-            <a:ext cx="12286268" cy="8203604"/>
-          </a:xfrm>
-          <a:prstGeom prst="rect">
-            <a:avLst/>
-          </a:prstGeom>
-        </p:spPr>
-      </p:pic>
-      <p:sp>
-        <p:nvSpPr>
-          <p:cNvPr id="7" name="Rectangle 6"/>
-          <p:cNvSpPr/>
-          <p:nvPr/>
-        </p:nvSpPr>
-        <p:spPr>
-          <a:xfrm>
-            <a:off x="4808795" y="1030288"/>
-            <a:ext cx="1939955" cy="646331"/>
-          </a:xfrm>
-          <a:prstGeom prst="rect">
-            <a:avLst/>
-          </a:prstGeom>
-        </p:spPr>
-        <p:txBody>
-          <a:bodyPr wrap="none">
-            <a:spAutoFit/>
-          </a:bodyPr>
-          <a:lstStyle/>
-          <a:p>
-            <a:pPr algn="ctr"/>
-            <a:r>
-              <a:rPr lang="fr-FR" sz="3600" dirty="0">
-                <a:solidFill>
-                  <a:srgbClr val="E8EAEC"/>
-                </a:solidFill>
-                <a:effectLst>
-                  <a:outerShdw blurRad="50800" dist="76200" dir="2700000" algn="tl" rotWithShape="0">
-                    <a:prstClr val="black">
-                      <a:alpha val="40000"/>
-                    </a:prstClr>
-                  </a:outerShdw>
-                </a:effectLst>
-                <a:latin typeface="ArcadeClassic" charset="0"/>
-                <a:ea typeface="ArcadeClassic" charset="0"/>
-                <a:cs typeface="ArcadeClassic" charset="0"/>
-              </a:rPr>
-              <a:t>IV.  </a:t>
-            </a:r>
-            <a:r>
-              <a:rPr lang="fr-FR" sz="3600" dirty="0" err="1">
-                <a:solidFill>
-                  <a:srgbClr val="E8EAEC"/>
-                </a:solidFill>
-                <a:effectLst>
-                  <a:outerShdw blurRad="50800" dist="76200" dir="2700000" algn="tl" rotWithShape="0">
-                    <a:prstClr val="black">
-                      <a:alpha val="40000"/>
-                    </a:prstClr>
-                  </a:outerShdw>
-                </a:effectLst>
-                <a:latin typeface="ArcadeClassic" charset="0"/>
-                <a:ea typeface="ArcadeClassic" charset="0"/>
-                <a:cs typeface="ArcadeClassic" charset="0"/>
-              </a:rPr>
-              <a:t>Demo</a:t>
-            </a:r>
-            <a:endParaRPr lang="fr-FR" sz="3600" dirty="0">
-              <a:solidFill>
-                <a:srgbClr val="E8EAEC"/>
-              </a:solidFill>
-              <a:effectLst>
-                <a:outerShdw blurRad="50800" dist="76200" dir="2700000" algn="tl" rotWithShape="0">
-                  <a:prstClr val="black">
-                    <a:alpha val="40000"/>
-                  </a:prstClr>
-                </a:outerShdw>
-              </a:effectLst>
-              <a:latin typeface="ArcadeClassic" charset="0"/>
-              <a:ea typeface="ArcadeClassic" charset="0"/>
-              <a:cs typeface="ArcadeClassic" charset="0"/>
-            </a:endParaRPr>
+              <a:t>https://github.com/AmandineBenza/Portak</a:t>
+            </a:r>
           </a:p>
         </p:txBody>
       </p:sp>
@@ -4288,300 +4315,6 @@
     <p:extLst>
       <p:ext uri="{BB962C8B-B14F-4D97-AF65-F5344CB8AC3E}">
         <p14:creationId xmlns:p14="http://schemas.microsoft.com/office/powerpoint/2010/main" val="1125866409"/>
-      </p:ext>
-    </p:extLst>
-  </p:cSld>
-  <p:clrMapOvr>
-    <a:masterClrMapping/>
-  </p:clrMapOvr>
-</p:sld>
-</file>
-
-<file path=ppt/slides/slide7.xml><?xml version="1.0" encoding="utf-8"?>
-<p:sld xmlns:a="http://schemas.openxmlformats.org/drawingml/2006/main" xmlns:r="http://schemas.openxmlformats.org/officeDocument/2006/relationships" xmlns:p="http://schemas.openxmlformats.org/presentationml/2006/main">
-  <p:cSld>
-    <p:spTree>
-      <p:nvGrpSpPr>
-        <p:cNvPr id="1" name=""/>
-        <p:cNvGrpSpPr/>
-        <p:nvPr/>
-      </p:nvGrpSpPr>
-      <p:grpSpPr>
-        <a:xfrm>
-          <a:off x="0" y="0"/>
-          <a:ext cx="0" cy="0"/>
-          <a:chOff x="0" y="0"/>
-          <a:chExt cx="0" cy="0"/>
-        </a:xfrm>
-      </p:grpSpPr>
-      <p:sp>
-        <p:nvSpPr>
-          <p:cNvPr id="2" name="Titre 1"/>
-          <p:cNvSpPr>
-            <a:spLocks noGrp="1"/>
-          </p:cNvSpPr>
-          <p:nvPr>
-            <p:ph type="ctrTitle"/>
-          </p:nvPr>
-        </p:nvSpPr>
-        <p:spPr/>
-        <p:txBody>
-          <a:bodyPr/>
-          <a:lstStyle/>
-          <a:p>
-            <a:endParaRPr lang="fr-FR"/>
-          </a:p>
-        </p:txBody>
-      </p:sp>
-      <p:sp>
-        <p:nvSpPr>
-          <p:cNvPr id="3" name="Sous-titre 2"/>
-          <p:cNvSpPr>
-            <a:spLocks noGrp="1"/>
-          </p:cNvSpPr>
-          <p:nvPr>
-            <p:ph type="subTitle" idx="1"/>
-          </p:nvPr>
-        </p:nvSpPr>
-        <p:spPr/>
-        <p:txBody>
-          <a:bodyPr/>
-          <a:lstStyle/>
-          <a:p>
-            <a:endParaRPr lang="fr-FR"/>
-          </a:p>
-        </p:txBody>
-      </p:sp>
-      <p:pic>
-        <p:nvPicPr>
-          <p:cNvPr id="4" name="Image 3"/>
-          <p:cNvPicPr>
-            <a:picLocks noChangeAspect="1"/>
-          </p:cNvPicPr>
-          <p:nvPr/>
-        </p:nvPicPr>
-        <p:blipFill>
-          <a:blip r:embed="rId2">
-            <a:extLst>
-              <a:ext uri="{28A0092B-C50C-407E-A947-70E740481C1C}">
-                <a14:useLocalDpi xmlns:a14="http://schemas.microsoft.com/office/drawing/2010/main" val="0"/>
-              </a:ext>
-            </a:extLst>
-          </a:blip>
-          <a:stretch>
-            <a:fillRect/>
-          </a:stretch>
-        </p:blipFill>
-        <p:spPr>
-          <a:xfrm>
-            <a:off x="0" y="-770568"/>
-            <a:ext cx="12286268" cy="8203604"/>
-          </a:xfrm>
-          <a:prstGeom prst="rect">
-            <a:avLst/>
-          </a:prstGeom>
-        </p:spPr>
-      </p:pic>
-    </p:spTree>
-    <p:extLst>
-      <p:ext uri="{BB962C8B-B14F-4D97-AF65-F5344CB8AC3E}">
-        <p14:creationId xmlns:p14="http://schemas.microsoft.com/office/powerpoint/2010/main" val="1858297485"/>
-      </p:ext>
-    </p:extLst>
-  </p:cSld>
-  <p:clrMapOvr>
-    <a:masterClrMapping/>
-  </p:clrMapOvr>
-</p:sld>
-</file>
-
-<file path=ppt/slides/slide8.xml><?xml version="1.0" encoding="utf-8"?>
-<p:sld xmlns:a="http://schemas.openxmlformats.org/drawingml/2006/main" xmlns:r="http://schemas.openxmlformats.org/officeDocument/2006/relationships" xmlns:p="http://schemas.openxmlformats.org/presentationml/2006/main">
-  <p:cSld>
-    <p:spTree>
-      <p:nvGrpSpPr>
-        <p:cNvPr id="1" name=""/>
-        <p:cNvGrpSpPr/>
-        <p:nvPr/>
-      </p:nvGrpSpPr>
-      <p:grpSpPr>
-        <a:xfrm>
-          <a:off x="0" y="0"/>
-          <a:ext cx="0" cy="0"/>
-          <a:chOff x="0" y="0"/>
-          <a:chExt cx="0" cy="0"/>
-        </a:xfrm>
-      </p:grpSpPr>
-      <p:sp>
-        <p:nvSpPr>
-          <p:cNvPr id="2" name="Titre 1"/>
-          <p:cNvSpPr>
-            <a:spLocks noGrp="1"/>
-          </p:cNvSpPr>
-          <p:nvPr>
-            <p:ph type="ctrTitle"/>
-          </p:nvPr>
-        </p:nvSpPr>
-        <p:spPr/>
-        <p:txBody>
-          <a:bodyPr/>
-          <a:lstStyle/>
-          <a:p>
-            <a:endParaRPr lang="fr-FR"/>
-          </a:p>
-        </p:txBody>
-      </p:sp>
-      <p:sp>
-        <p:nvSpPr>
-          <p:cNvPr id="3" name="Sous-titre 2"/>
-          <p:cNvSpPr>
-            <a:spLocks noGrp="1"/>
-          </p:cNvSpPr>
-          <p:nvPr>
-            <p:ph type="subTitle" idx="1"/>
-          </p:nvPr>
-        </p:nvSpPr>
-        <p:spPr/>
-        <p:txBody>
-          <a:bodyPr/>
-          <a:lstStyle/>
-          <a:p>
-            <a:endParaRPr lang="fr-FR"/>
-          </a:p>
-        </p:txBody>
-      </p:sp>
-      <p:pic>
-        <p:nvPicPr>
-          <p:cNvPr id="4" name="Image 3"/>
-          <p:cNvPicPr>
-            <a:picLocks noChangeAspect="1"/>
-          </p:cNvPicPr>
-          <p:nvPr/>
-        </p:nvPicPr>
-        <p:blipFill>
-          <a:blip r:embed="rId2">
-            <a:extLst>
-              <a:ext uri="{28A0092B-C50C-407E-A947-70E740481C1C}">
-                <a14:useLocalDpi xmlns:a14="http://schemas.microsoft.com/office/drawing/2010/main" val="0"/>
-              </a:ext>
-            </a:extLst>
-          </a:blip>
-          <a:stretch>
-            <a:fillRect/>
-          </a:stretch>
-        </p:blipFill>
-        <p:spPr>
-          <a:xfrm>
-            <a:off x="0" y="-770568"/>
-            <a:ext cx="12286268" cy="8203604"/>
-          </a:xfrm>
-          <a:prstGeom prst="rect">
-            <a:avLst/>
-          </a:prstGeom>
-        </p:spPr>
-      </p:pic>
-    </p:spTree>
-    <p:extLst>
-      <p:ext uri="{BB962C8B-B14F-4D97-AF65-F5344CB8AC3E}">
-        <p14:creationId xmlns:p14="http://schemas.microsoft.com/office/powerpoint/2010/main" val="1551152074"/>
-      </p:ext>
-    </p:extLst>
-  </p:cSld>
-  <p:clrMapOvr>
-    <a:masterClrMapping/>
-  </p:clrMapOvr>
-</p:sld>
-</file>
-
-<file path=ppt/slides/slide9.xml><?xml version="1.0" encoding="utf-8"?>
-<p:sld xmlns:a="http://schemas.openxmlformats.org/drawingml/2006/main" xmlns:r="http://schemas.openxmlformats.org/officeDocument/2006/relationships" xmlns:p="http://schemas.openxmlformats.org/presentationml/2006/main">
-  <p:cSld>
-    <p:spTree>
-      <p:nvGrpSpPr>
-        <p:cNvPr id="1" name=""/>
-        <p:cNvGrpSpPr/>
-        <p:nvPr/>
-      </p:nvGrpSpPr>
-      <p:grpSpPr>
-        <a:xfrm>
-          <a:off x="0" y="0"/>
-          <a:ext cx="0" cy="0"/>
-          <a:chOff x="0" y="0"/>
-          <a:chExt cx="0" cy="0"/>
-        </a:xfrm>
-      </p:grpSpPr>
-      <p:sp>
-        <p:nvSpPr>
-          <p:cNvPr id="2" name="Titre 1"/>
-          <p:cNvSpPr>
-            <a:spLocks noGrp="1"/>
-          </p:cNvSpPr>
-          <p:nvPr>
-            <p:ph type="ctrTitle"/>
-          </p:nvPr>
-        </p:nvSpPr>
-        <p:spPr/>
-        <p:txBody>
-          <a:bodyPr/>
-          <a:lstStyle/>
-          <a:p>
-            <a:endParaRPr lang="fr-FR"/>
-          </a:p>
-        </p:txBody>
-      </p:sp>
-      <p:sp>
-        <p:nvSpPr>
-          <p:cNvPr id="3" name="Sous-titre 2"/>
-          <p:cNvSpPr>
-            <a:spLocks noGrp="1"/>
-          </p:cNvSpPr>
-          <p:nvPr>
-            <p:ph type="subTitle" idx="1"/>
-          </p:nvPr>
-        </p:nvSpPr>
-        <p:spPr/>
-        <p:txBody>
-          <a:bodyPr/>
-          <a:lstStyle/>
-          <a:p>
-            <a:endParaRPr lang="fr-FR"/>
-          </a:p>
-        </p:txBody>
-      </p:sp>
-      <p:pic>
-        <p:nvPicPr>
-          <p:cNvPr id="4" name="Image 3"/>
-          <p:cNvPicPr>
-            <a:picLocks noChangeAspect="1"/>
-          </p:cNvPicPr>
-          <p:nvPr/>
-        </p:nvPicPr>
-        <p:blipFill>
-          <a:blip r:embed="rId2">
-            <a:extLst>
-              <a:ext uri="{28A0092B-C50C-407E-A947-70E740481C1C}">
-                <a14:useLocalDpi xmlns:a14="http://schemas.microsoft.com/office/drawing/2010/main" val="0"/>
-              </a:ext>
-            </a:extLst>
-          </a:blip>
-          <a:stretch>
-            <a:fillRect/>
-          </a:stretch>
-        </p:blipFill>
-        <p:spPr>
-          <a:xfrm>
-            <a:off x="0" y="-770568"/>
-            <a:ext cx="12286268" cy="8203604"/>
-          </a:xfrm>
-          <a:prstGeom prst="rect">
-            <a:avLst/>
-          </a:prstGeom>
-        </p:spPr>
-      </p:pic>
-    </p:spTree>
-    <p:extLst>
-      <p:ext uri="{BB962C8B-B14F-4D97-AF65-F5344CB8AC3E}">
-        <p14:creationId xmlns:p14="http://schemas.microsoft.com/office/powerpoint/2010/main" val="2134963363"/>
       </p:ext>
     </p:extLst>
   </p:cSld>

--- a/Portak.pptx
+++ b/Portak.pptx
@@ -249,7 +249,7 @@
           <a:p>
             <a:fld id="{4AAD347D-5ACD-4C99-B74B-A9C85AD731AF}" type="datetimeFigureOut">
               <a:rPr lang="en-US" smtClean="0"/>
-              <a:t>5/13/2018</a:t>
+              <a:t>5/13/18</a:t>
             </a:fld>
             <a:endParaRPr lang="en-US" dirty="0"/>
           </a:p>
@@ -291,7 +291,7 @@
           <a:p>
             <a:fld id="{D57F1E4F-1CFF-5643-939E-02111984F565}" type="slidenum">
               <a:rPr lang="en-US" smtClean="0"/>
-              <a:t>‹N°›</a:t>
+              <a:t>‹#›</a:t>
             </a:fld>
             <a:endParaRPr lang="en-US" dirty="0"/>
           </a:p>
@@ -422,7 +422,7 @@
           <a:p>
             <a:fld id="{4509A250-FF31-4206-8172-F9D3106AACB1}" type="datetimeFigureOut">
               <a:rPr lang="en-US" smtClean="0"/>
-              <a:t>5/13/2018</a:t>
+              <a:t>5/13/18</a:t>
             </a:fld>
             <a:endParaRPr lang="en-US" dirty="0"/>
           </a:p>
@@ -464,7 +464,7 @@
           <a:p>
             <a:fld id="{D57F1E4F-1CFF-5643-939E-02111984F565}" type="slidenum">
               <a:rPr lang="en-US" smtClean="0"/>
-              <a:t>‹N°›</a:t>
+              <a:t>‹#›</a:t>
             </a:fld>
             <a:endParaRPr lang="en-US" dirty="0"/>
           </a:p>
@@ -600,7 +600,7 @@
           <a:p>
             <a:fld id="{4509A250-FF31-4206-8172-F9D3106AACB1}" type="datetimeFigureOut">
               <a:rPr lang="en-US" smtClean="0"/>
-              <a:t>5/13/2018</a:t>
+              <a:t>5/13/18</a:t>
             </a:fld>
             <a:endParaRPr lang="en-US" dirty="0"/>
           </a:p>
@@ -642,7 +642,7 @@
           <a:p>
             <a:fld id="{D57F1E4F-1CFF-5643-939E-02111984F565}" type="slidenum">
               <a:rPr lang="en-US" smtClean="0"/>
-              <a:t>‹N°›</a:t>
+              <a:t>‹#›</a:t>
             </a:fld>
             <a:endParaRPr lang="en-US" dirty="0"/>
           </a:p>
@@ -773,7 +773,7 @@
           <a:p>
             <a:fld id="{4509A250-FF31-4206-8172-F9D3106AACB1}" type="datetimeFigureOut">
               <a:rPr lang="en-US" smtClean="0"/>
-              <a:t>5/13/2018</a:t>
+              <a:t>5/13/18</a:t>
             </a:fld>
             <a:endParaRPr lang="en-US" dirty="0"/>
           </a:p>
@@ -815,7 +815,7 @@
           <a:p>
             <a:fld id="{D57F1E4F-1CFF-5643-939E-02111984F565}" type="slidenum">
               <a:rPr lang="en-US" smtClean="0"/>
-              <a:t>‹N°›</a:t>
+              <a:t>‹#›</a:t>
             </a:fld>
             <a:endParaRPr lang="en-US" dirty="0"/>
           </a:p>
@@ -1018,7 +1018,7 @@
           <a:p>
             <a:fld id="{9796027F-7875-4030-9381-8BD8C4F21935}" type="datetimeFigureOut">
               <a:rPr lang="en-US" smtClean="0"/>
-              <a:t>5/13/2018</a:t>
+              <a:t>5/13/18</a:t>
             </a:fld>
             <a:endParaRPr lang="en-US" dirty="0"/>
           </a:p>
@@ -1060,7 +1060,7 @@
           <a:p>
             <a:fld id="{D57F1E4F-1CFF-5643-939E-02111984F565}" type="slidenum">
               <a:rPr lang="en-US" smtClean="0"/>
-              <a:t>‹N°›</a:t>
+              <a:t>‹#›</a:t>
             </a:fld>
             <a:endParaRPr lang="en-US" dirty="0"/>
           </a:p>
@@ -1252,7 +1252,7 @@
           <a:p>
             <a:fld id="{9796027F-7875-4030-9381-8BD8C4F21935}" type="datetimeFigureOut">
               <a:rPr lang="en-US" smtClean="0"/>
-              <a:t>5/13/2018</a:t>
+              <a:t>5/13/18</a:t>
             </a:fld>
             <a:endParaRPr lang="en-US" dirty="0"/>
           </a:p>
@@ -1294,7 +1294,7 @@
           <a:p>
             <a:fld id="{D57F1E4F-1CFF-5643-939E-02111984F565}" type="slidenum">
               <a:rPr lang="en-US" smtClean="0"/>
-              <a:t>‹N°›</a:t>
+              <a:t>‹#›</a:t>
             </a:fld>
             <a:endParaRPr lang="en-US" dirty="0"/>
           </a:p>
@@ -1616,7 +1616,7 @@
           <a:p>
             <a:fld id="{9796027F-7875-4030-9381-8BD8C4F21935}" type="datetimeFigureOut">
               <a:rPr lang="en-US" smtClean="0"/>
-              <a:t>5/13/2018</a:t>
+              <a:t>5/13/18</a:t>
             </a:fld>
             <a:endParaRPr lang="en-US" dirty="0"/>
           </a:p>
@@ -1658,7 +1658,7 @@
           <a:p>
             <a:fld id="{D57F1E4F-1CFF-5643-939E-02111984F565}" type="slidenum">
               <a:rPr lang="en-US" smtClean="0"/>
-              <a:t>‹N°›</a:t>
+              <a:t>‹#›</a:t>
             </a:fld>
             <a:endParaRPr lang="en-US" dirty="0"/>
           </a:p>
@@ -1733,7 +1733,7 @@
           <a:p>
             <a:fld id="{4509A250-FF31-4206-8172-F9D3106AACB1}" type="datetimeFigureOut">
               <a:rPr lang="en-US" smtClean="0"/>
-              <a:t>5/13/2018</a:t>
+              <a:t>5/13/18</a:t>
             </a:fld>
             <a:endParaRPr lang="en-US" dirty="0"/>
           </a:p>
@@ -1775,7 +1775,7 @@
           <a:p>
             <a:fld id="{D57F1E4F-1CFF-5643-939E-02111984F565}" type="slidenum">
               <a:rPr lang="en-US" smtClean="0"/>
-              <a:t>‹N°›</a:t>
+              <a:t>‹#›</a:t>
             </a:fld>
             <a:endParaRPr lang="en-US" dirty="0"/>
           </a:p>
@@ -1828,7 +1828,7 @@
           <a:p>
             <a:fld id="{4509A250-FF31-4206-8172-F9D3106AACB1}" type="datetimeFigureOut">
               <a:rPr lang="en-US" smtClean="0"/>
-              <a:t>5/13/2018</a:t>
+              <a:t>5/13/18</a:t>
             </a:fld>
             <a:endParaRPr lang="en-US" dirty="0"/>
           </a:p>
@@ -1870,7 +1870,7 @@
           <a:p>
             <a:fld id="{D57F1E4F-1CFF-5643-939E-02111984F565}" type="slidenum">
               <a:rPr lang="en-US" smtClean="0"/>
-              <a:t>‹N°›</a:t>
+              <a:t>‹#›</a:t>
             </a:fld>
             <a:endParaRPr lang="en-US" dirty="0"/>
           </a:p>
@@ -2103,7 +2103,7 @@
           <a:p>
             <a:fld id="{4509A250-FF31-4206-8172-F9D3106AACB1}" type="datetimeFigureOut">
               <a:rPr lang="en-US" smtClean="0"/>
-              <a:t>5/13/2018</a:t>
+              <a:t>5/13/18</a:t>
             </a:fld>
             <a:endParaRPr lang="en-US" dirty="0"/>
           </a:p>
@@ -2145,7 +2145,7 @@
           <a:p>
             <a:fld id="{D57F1E4F-1CFF-5643-939E-02111984F565}" type="slidenum">
               <a:rPr lang="en-US" smtClean="0"/>
-              <a:t>‹N°›</a:t>
+              <a:t>‹#›</a:t>
             </a:fld>
             <a:endParaRPr lang="en-US" dirty="0"/>
           </a:p>
@@ -2355,7 +2355,7 @@
           <a:p>
             <a:fld id="{4509A250-FF31-4206-8172-F9D3106AACB1}" type="datetimeFigureOut">
               <a:rPr lang="en-US" smtClean="0"/>
-              <a:t>5/13/2018</a:t>
+              <a:t>5/13/18</a:t>
             </a:fld>
             <a:endParaRPr lang="en-US" dirty="0"/>
           </a:p>
@@ -2397,7 +2397,7 @@
           <a:p>
             <a:fld id="{D57F1E4F-1CFF-5643-939E-02111984F565}" type="slidenum">
               <a:rPr lang="en-US" smtClean="0"/>
-              <a:t>‹N°›</a:t>
+              <a:t>‹#›</a:t>
             </a:fld>
             <a:endParaRPr lang="en-US" dirty="0"/>
           </a:p>
@@ -2566,7 +2566,7 @@
           <a:p>
             <a:fld id="{4AAD347D-5ACD-4C99-B74B-A9C85AD731AF}" type="datetimeFigureOut">
               <a:rPr lang="en-US" smtClean="0"/>
-              <a:t>5/13/2018</a:t>
+              <a:t>5/13/18</a:t>
             </a:fld>
             <a:endParaRPr lang="en-US" dirty="0"/>
           </a:p>
@@ -2644,7 +2644,7 @@
           <a:p>
             <a:fld id="{D57F1E4F-1CFF-5643-939E-02111984F565}" type="slidenum">
               <a:rPr lang="en-US" smtClean="0"/>
-              <a:t>‹N°›</a:t>
+              <a:t>‹#›</a:t>
             </a:fld>
             <a:endParaRPr lang="en-US" dirty="0"/>
           </a:p>
@@ -3301,8 +3301,8 @@
         </p:nvSpPr>
         <p:spPr>
           <a:xfrm>
-            <a:off x="2185740" y="-170041"/>
-            <a:ext cx="7253910" cy="1200329"/>
+            <a:off x="1648735" y="-170041"/>
+            <a:ext cx="8327921" cy="1200329"/>
           </a:xfrm>
           <a:prstGeom prst="rect">
             <a:avLst/>
@@ -3334,7 +3334,7 @@
               <a:t>I.  </a:t>
             </a:r>
             <a:r>
-              <a:rPr lang="fr-FR" sz="7200" dirty="0" err="1">
+              <a:rPr lang="fr-FR" sz="7200" dirty="0" smtClean="0">
                 <a:solidFill>
                   <a:srgbClr val="E8EAEC"/>
                 </a:solidFill>
@@ -3349,7 +3349,7 @@
                 <a:ea typeface="ArcadeClassic" charset="0"/>
                 <a:cs typeface="ArcadeClassic" charset="0"/>
               </a:rPr>
-              <a:t>Presentation</a:t>
+              <a:t>P r e s e n ta ti o n</a:t>
             </a:r>
             <a:endParaRPr lang="fr-FR" sz="7200" dirty="0">
               <a:solidFill>
@@ -3374,7 +3374,7 @@
           <p:cNvPr id="7" name="Image 6">
             <a:extLst>
               <a:ext uri="{FF2B5EF4-FFF2-40B4-BE49-F238E27FC236}">
-                <a16:creationId xmlns:a16="http://schemas.microsoft.com/office/drawing/2014/main" id="{1D0C5E8E-64D7-494D-B5FA-6DE57E681E23}"/>
+                <a16:creationId xmlns:a16="http://schemas.microsoft.com/office/drawing/2014/main" xmlns="" id="{1D0C5E8E-64D7-494D-B5FA-6DE57E681E23}"/>
               </a:ext>
             </a:extLst>
           </p:cNvPr>
@@ -3414,7 +3414,7 @@
           <p:cNvPr id="11" name="Image 10">
             <a:extLst>
               <a:ext uri="{FF2B5EF4-FFF2-40B4-BE49-F238E27FC236}">
-                <a16:creationId xmlns:a16="http://schemas.microsoft.com/office/drawing/2014/main" id="{05AE4CDD-1252-4E8F-A70F-E658C5DE8DB0}"/>
+                <a16:creationId xmlns:a16="http://schemas.microsoft.com/office/drawing/2014/main" xmlns="" id="{05AE4CDD-1252-4E8F-A70F-E658C5DE8DB0}"/>
               </a:ext>
             </a:extLst>
           </p:cNvPr>
@@ -3444,7 +3444,7 @@
           <p:cNvPr id="13" name="Image 12">
             <a:extLst>
               <a:ext uri="{FF2B5EF4-FFF2-40B4-BE49-F238E27FC236}">
-                <a16:creationId xmlns:a16="http://schemas.microsoft.com/office/drawing/2014/main" id="{64B131F4-F18E-44AE-9C07-C5C9B32A2E8B}"/>
+                <a16:creationId xmlns:a16="http://schemas.microsoft.com/office/drawing/2014/main" xmlns="" id="{64B131F4-F18E-44AE-9C07-C5C9B32A2E8B}"/>
               </a:ext>
             </a:extLst>
           </p:cNvPr>
@@ -3474,7 +3474,7 @@
           <p:cNvPr id="15" name="Image 14">
             <a:extLst>
               <a:ext uri="{FF2B5EF4-FFF2-40B4-BE49-F238E27FC236}">
-                <a16:creationId xmlns:a16="http://schemas.microsoft.com/office/drawing/2014/main" id="{8CE18468-819B-4507-A8AD-A1262257A910}"/>
+                <a16:creationId xmlns:a16="http://schemas.microsoft.com/office/drawing/2014/main" xmlns="" id="{8CE18468-819B-4507-A8AD-A1262257A910}"/>
               </a:ext>
             </a:extLst>
           </p:cNvPr>
@@ -3504,7 +3504,7 @@
           <p:cNvPr id="17" name="Image 16">
             <a:extLst>
               <a:ext uri="{FF2B5EF4-FFF2-40B4-BE49-F238E27FC236}">
-                <a16:creationId xmlns:a16="http://schemas.microsoft.com/office/drawing/2014/main" id="{17DF9E37-4C42-46BA-9A7F-1F887B9414D5}"/>
+                <a16:creationId xmlns:a16="http://schemas.microsoft.com/office/drawing/2014/main" xmlns="" id="{17DF9E37-4C42-46BA-9A7F-1F887B9414D5}"/>
               </a:ext>
             </a:extLst>
           </p:cNvPr>
@@ -3534,7 +3534,7 @@
           <p:cNvPr id="19" name="Image 18">
             <a:extLst>
               <a:ext uri="{FF2B5EF4-FFF2-40B4-BE49-F238E27FC236}">
-                <a16:creationId xmlns:a16="http://schemas.microsoft.com/office/drawing/2014/main" id="{EAE76444-7A85-40E6-B5FA-F315899EAF63}"/>
+                <a16:creationId xmlns:a16="http://schemas.microsoft.com/office/drawing/2014/main" xmlns="" id="{EAE76444-7A85-40E6-B5FA-F315899EAF63}"/>
               </a:ext>
             </a:extLst>
           </p:cNvPr>
@@ -3662,7 +3662,7 @@
           <p:cNvPr id="1026" name="Picture 2" descr="https://cdn.discordapp.com/attachments/389887163824865302/445284537774243851/unknown.png">
             <a:extLst>
               <a:ext uri="{FF2B5EF4-FFF2-40B4-BE49-F238E27FC236}">
-                <a16:creationId xmlns:a16="http://schemas.microsoft.com/office/drawing/2014/main" id="{E92BEDFF-1D38-4D41-9798-240AEF5F0504}"/>
+                <a16:creationId xmlns:a16="http://schemas.microsoft.com/office/drawing/2014/main" xmlns="" id="{E92BEDFF-1D38-4D41-9798-240AEF5F0504}"/>
               </a:ext>
             </a:extLst>
           </p:cNvPr>
@@ -3720,7 +3720,7 @@
           <p:cNvPr id="6" name="Picture 2" descr="https://media.discordapp.net/attachments/389887163824865302/445299827002310676/Capture_decran_2018-05-13_a_21.02.07.png?width=749&amp;height=499">
             <a:extLst>
               <a:ext uri="{FF2B5EF4-FFF2-40B4-BE49-F238E27FC236}">
-                <a16:creationId xmlns:a16="http://schemas.microsoft.com/office/drawing/2014/main" id="{52FD5615-4A30-4EAC-AE73-75968768ABDC}"/>
+                <a16:creationId xmlns:a16="http://schemas.microsoft.com/office/drawing/2014/main" xmlns="" id="{52FD5615-4A30-4EAC-AE73-75968768ABDC}"/>
               </a:ext>
             </a:extLst>
           </p:cNvPr>
@@ -3778,7 +3778,7 @@
           <p:cNvPr id="8" name="Rectangle 7">
             <a:extLst>
               <a:ext uri="{FF2B5EF4-FFF2-40B4-BE49-F238E27FC236}">
-                <a16:creationId xmlns:a16="http://schemas.microsoft.com/office/drawing/2014/main" id="{4F318BA1-9154-4372-B3E3-62FDA1058B1B}"/>
+                <a16:creationId xmlns:a16="http://schemas.microsoft.com/office/drawing/2014/main" xmlns="" id="{4F318BA1-9154-4372-B3E3-62FDA1058B1B}"/>
               </a:ext>
             </a:extLst>
           </p:cNvPr>
@@ -3787,8 +3787,8 @@
         </p:nvSpPr>
         <p:spPr>
           <a:xfrm>
-            <a:off x="2126432" y="-170041"/>
-            <a:ext cx="7372531" cy="1200329"/>
+            <a:off x="1648738" y="-170041"/>
+            <a:ext cx="8327921" cy="1200329"/>
           </a:xfrm>
           <a:prstGeom prst="rect">
             <a:avLst/>
@@ -3817,8 +3817,41 @@
                 <a:ea typeface="ArcadeClassic" charset="0"/>
                 <a:cs typeface="ArcadeClassic" charset="0"/>
               </a:rPr>
-              <a:t>II.  LEVEL DESIGN</a:t>
-            </a:r>
+              <a:t>II.  </a:t>
+            </a:r>
+            <a:r>
+              <a:rPr lang="fr-FR" sz="7200" dirty="0" smtClean="0">
+                <a:solidFill>
+                  <a:srgbClr val="E8EAEC"/>
+                </a:solidFill>
+                <a:effectLst>
+                  <a:outerShdw blurRad="50800" dist="76200" dir="2700000" algn="tl" rotWithShape="0">
+                    <a:prstClr val="black">
+                      <a:alpha val="40000"/>
+                    </a:prstClr>
+                  </a:outerShdw>
+                </a:effectLst>
+                <a:latin typeface="ArcadeClassic" charset="0"/>
+                <a:ea typeface="ArcadeClassic" charset="0"/>
+                <a:cs typeface="ArcadeClassic" charset="0"/>
+              </a:rPr>
+              <a:t>LE V E L D E S I G N</a:t>
+            </a:r>
+            <a:endParaRPr lang="fr-FR" sz="7200" dirty="0">
+              <a:solidFill>
+                <a:srgbClr val="E8EAEC"/>
+              </a:solidFill>
+              <a:effectLst>
+                <a:outerShdw blurRad="50800" dist="76200" dir="2700000" algn="tl" rotWithShape="0">
+                  <a:prstClr val="black">
+                    <a:alpha val="40000"/>
+                  </a:prstClr>
+                </a:outerShdw>
+              </a:effectLst>
+              <a:latin typeface="ArcadeClassic" charset="0"/>
+              <a:ea typeface="ArcadeClassic" charset="0"/>
+              <a:cs typeface="ArcadeClassic" charset="0"/>
+            </a:endParaRPr>
           </a:p>
         </p:txBody>
       </p:sp>
@@ -3928,7 +3961,7 @@
           <p:cNvPr id="8" name="Rectangle 7">
             <a:extLst>
               <a:ext uri="{FF2B5EF4-FFF2-40B4-BE49-F238E27FC236}">
-                <a16:creationId xmlns:a16="http://schemas.microsoft.com/office/drawing/2014/main" id="{4F318BA1-9154-4372-B3E3-62FDA1058B1B}"/>
+                <a16:creationId xmlns:a16="http://schemas.microsoft.com/office/drawing/2014/main" xmlns="" id="{4F318BA1-9154-4372-B3E3-62FDA1058B1B}"/>
               </a:ext>
             </a:extLst>
           </p:cNvPr>
@@ -3937,8 +3970,8 @@
         </p:nvSpPr>
         <p:spPr>
           <a:xfrm>
-            <a:off x="372752" y="-170041"/>
-            <a:ext cx="10879901" cy="1015663"/>
+            <a:off x="320867" y="-10550"/>
+            <a:ext cx="11644533" cy="1015663"/>
           </a:xfrm>
           <a:prstGeom prst="rect">
             <a:avLst/>
@@ -3967,8 +4000,41 @@
                 <a:ea typeface="ArcadeClassic" charset="0"/>
                 <a:cs typeface="ArcadeClassic" charset="0"/>
               </a:rPr>
-              <a:t>III.  POINTS FORTS et faibles </a:t>
-            </a:r>
+              <a:t>III.  </a:t>
+            </a:r>
+            <a:r>
+              <a:rPr lang="fr-FR" sz="6000" dirty="0" smtClean="0">
+                <a:solidFill>
+                  <a:srgbClr val="E8EAEC"/>
+                </a:solidFill>
+                <a:effectLst>
+                  <a:outerShdw blurRad="50800" dist="76200" dir="2700000" algn="tl" rotWithShape="0">
+                    <a:prstClr val="black">
+                      <a:alpha val="40000"/>
+                    </a:prstClr>
+                  </a:outerShdw>
+                </a:effectLst>
+                <a:latin typeface="ArcadeClassic" charset="0"/>
+                <a:ea typeface="ArcadeClassic" charset="0"/>
+                <a:cs typeface="ArcadeClassic" charset="0"/>
+              </a:rPr>
+              <a:t>P O I N TS  F O R TS  /  fa i b Le s </a:t>
+            </a:r>
+            <a:endParaRPr lang="fr-FR" sz="6000" dirty="0">
+              <a:solidFill>
+                <a:srgbClr val="E8EAEC"/>
+              </a:solidFill>
+              <a:effectLst>
+                <a:outerShdw blurRad="50800" dist="76200" dir="2700000" algn="tl" rotWithShape="0">
+                  <a:prstClr val="black">
+                    <a:alpha val="40000"/>
+                  </a:prstClr>
+                </a:outerShdw>
+              </a:effectLst>
+              <a:latin typeface="ArcadeClassic" charset="0"/>
+              <a:ea typeface="ArcadeClassic" charset="0"/>
+              <a:cs typeface="ArcadeClassic" charset="0"/>
+            </a:endParaRPr>
           </a:p>
         </p:txBody>
       </p:sp>
@@ -3977,7 +4043,7 @@
           <p:cNvPr id="2054" name="Picture 6" descr="https://cdn.discordapp.com/attachments/389887163824865302/445308854604005395/Capture_decran_2018-05-13_a_21.32.45.png">
             <a:extLst>
               <a:ext uri="{FF2B5EF4-FFF2-40B4-BE49-F238E27FC236}">
-                <a16:creationId xmlns:a16="http://schemas.microsoft.com/office/drawing/2014/main" id="{6A75D1AD-0163-41C6-B910-7ACB58400D2C}"/>
+                <a16:creationId xmlns:a16="http://schemas.microsoft.com/office/drawing/2014/main" xmlns="" id="{6A75D1AD-0163-41C6-B910-7ACB58400D2C}"/>
               </a:ext>
             </a:extLst>
           </p:cNvPr>
@@ -4035,7 +4101,7 @@
           <p:cNvPr id="2056" name="Picture 8" descr="https://cdn.discordapp.com/attachments/389887163824865302/445308342605316096/Capture_decran_2018-05-13_a_21.34.02.png">
             <a:extLst>
               <a:ext uri="{FF2B5EF4-FFF2-40B4-BE49-F238E27FC236}">
-                <a16:creationId xmlns:a16="http://schemas.microsoft.com/office/drawing/2014/main" id="{BB523672-EDE7-4C72-9673-7E7ECF8A0FB0}"/>
+                <a16:creationId xmlns:a16="http://schemas.microsoft.com/office/drawing/2014/main" xmlns="" id="{BB523672-EDE7-4C72-9673-7E7ECF8A0FB0}"/>
               </a:ext>
             </a:extLst>
           </p:cNvPr>
@@ -4194,8 +4260,8 @@
         </p:nvSpPr>
         <p:spPr>
           <a:xfrm>
-            <a:off x="882263" y="1096666"/>
-            <a:ext cx="10224274" cy="2862322"/>
+            <a:off x="1064205" y="1096666"/>
+            <a:ext cx="9860393" cy="2862322"/>
           </a:xfrm>
           <a:prstGeom prst="rect">
             <a:avLst/>
@@ -4209,7 +4275,7 @@
           <a:p>
             <a:pPr algn="ctr"/>
             <a:r>
-              <a:rPr lang="fr-FR" sz="18000" dirty="0">
+              <a:rPr lang="fr-FR" sz="18000" dirty="0" smtClean="0">
                 <a:solidFill>
                   <a:srgbClr val="E8EAEC"/>
                 </a:solidFill>
@@ -4224,25 +4290,7 @@
                 <a:ea typeface="ArcadeClassic" charset="0"/>
                 <a:cs typeface="ArcadeClassic" charset="0"/>
               </a:rPr>
-              <a:t>III.  </a:t>
-            </a:r>
-            <a:r>
-              <a:rPr lang="fr-FR" sz="18000" dirty="0" err="1">
-                <a:solidFill>
-                  <a:srgbClr val="E8EAEC"/>
-                </a:solidFill>
-                <a:effectLst>
-                  <a:outerShdw blurRad="50800" dist="76200" dir="2700000" algn="tl" rotWithShape="0">
-                    <a:prstClr val="black">
-                      <a:alpha val="40000"/>
-                    </a:prstClr>
-                  </a:outerShdw>
-                </a:effectLst>
-                <a:latin typeface="ArcadeClassic" charset="0"/>
-                <a:ea typeface="ArcadeClassic" charset="0"/>
-                <a:cs typeface="ArcadeClassic" charset="0"/>
-              </a:rPr>
-              <a:t>Demo</a:t>
+              <a:t>IV.  D e m o</a:t>
             </a:r>
             <a:endParaRPr lang="fr-FR" sz="18000" dirty="0">
               <a:solidFill>
@@ -4267,7 +4315,7 @@
           <p:cNvPr id="6" name="Rectangle 5">
             <a:extLst>
               <a:ext uri="{FF2B5EF4-FFF2-40B4-BE49-F238E27FC236}">
-                <a16:creationId xmlns:a16="http://schemas.microsoft.com/office/drawing/2014/main" id="{C5FA9FE6-4AAC-4DA3-A8A9-FA7DDE9A968B}"/>
+                <a16:creationId xmlns:a16="http://schemas.microsoft.com/office/drawing/2014/main" xmlns="" id="{C5FA9FE6-4AAC-4DA3-A8A9-FA7DDE9A968B}"/>
               </a:ext>
             </a:extLst>
           </p:cNvPr>
